--- a/Präsentation/Präsentation.pptx
+++ b/Präsentation/Präsentation.pptx
@@ -5,10 +5,11 @@
     <p:sldMasterId id="2147483648" r:id="rId1"/>
   </p:sldMasterIdLst>
   <p:sldIdLst>
-    <p:sldId id="256" r:id="rId2"/>
-    <p:sldId id="257" r:id="rId3"/>
-    <p:sldId id="259" r:id="rId4"/>
-    <p:sldId id="258" r:id="rId5"/>
+    <p:sldId id="260" r:id="rId2"/>
+    <p:sldId id="256" r:id="rId3"/>
+    <p:sldId id="257" r:id="rId4"/>
+    <p:sldId id="259" r:id="rId5"/>
+    <p:sldId id="258" r:id="rId6"/>
   </p:sldIdLst>
   <p:sldSz cx="12192000" cy="6858000"/>
   <p:notesSz cx="6858000" cy="9144000"/>
@@ -3997,7 +3998,7 @@
           <a:p>
             <a:fld id="{8FFAF4F2-3E70-4B74-A1DA-1E58D98C29D5}" type="datetimeFigureOut">
               <a:rPr lang="de-DE" smtClean="0"/>
-              <a:t>21.01.2021</a:t>
+              <a:t>26.01.2021</a:t>
             </a:fld>
             <a:endParaRPr lang="de-DE"/>
           </a:p>
@@ -4195,7 +4196,7 @@
           <a:p>
             <a:fld id="{8FFAF4F2-3E70-4B74-A1DA-1E58D98C29D5}" type="datetimeFigureOut">
               <a:rPr lang="de-DE" smtClean="0"/>
-              <a:t>21.01.2021</a:t>
+              <a:t>26.01.2021</a:t>
             </a:fld>
             <a:endParaRPr lang="de-DE"/>
           </a:p>
@@ -4403,7 +4404,7 @@
           <a:p>
             <a:fld id="{8FFAF4F2-3E70-4B74-A1DA-1E58D98C29D5}" type="datetimeFigureOut">
               <a:rPr lang="de-DE" smtClean="0"/>
-              <a:t>21.01.2021</a:t>
+              <a:t>26.01.2021</a:t>
             </a:fld>
             <a:endParaRPr lang="de-DE"/>
           </a:p>
@@ -4601,7 +4602,7 @@
           <a:p>
             <a:fld id="{8FFAF4F2-3E70-4B74-A1DA-1E58D98C29D5}" type="datetimeFigureOut">
               <a:rPr lang="de-DE" smtClean="0"/>
-              <a:t>21.01.2021</a:t>
+              <a:t>26.01.2021</a:t>
             </a:fld>
             <a:endParaRPr lang="de-DE"/>
           </a:p>
@@ -4876,7 +4877,7 @@
           <a:p>
             <a:fld id="{8FFAF4F2-3E70-4B74-A1DA-1E58D98C29D5}" type="datetimeFigureOut">
               <a:rPr lang="de-DE" smtClean="0"/>
-              <a:t>21.01.2021</a:t>
+              <a:t>26.01.2021</a:t>
             </a:fld>
             <a:endParaRPr lang="de-DE"/>
           </a:p>
@@ -5141,7 +5142,7 @@
           <a:p>
             <a:fld id="{8FFAF4F2-3E70-4B74-A1DA-1E58D98C29D5}" type="datetimeFigureOut">
               <a:rPr lang="de-DE" smtClean="0"/>
-              <a:t>21.01.2021</a:t>
+              <a:t>26.01.2021</a:t>
             </a:fld>
             <a:endParaRPr lang="de-DE"/>
           </a:p>
@@ -5553,7 +5554,7 @@
           <a:p>
             <a:fld id="{8FFAF4F2-3E70-4B74-A1DA-1E58D98C29D5}" type="datetimeFigureOut">
               <a:rPr lang="de-DE" smtClean="0"/>
-              <a:t>21.01.2021</a:t>
+              <a:t>26.01.2021</a:t>
             </a:fld>
             <a:endParaRPr lang="de-DE"/>
           </a:p>
@@ -5694,7 +5695,7 @@
           <a:p>
             <a:fld id="{8FFAF4F2-3E70-4B74-A1DA-1E58D98C29D5}" type="datetimeFigureOut">
               <a:rPr lang="de-DE" smtClean="0"/>
-              <a:t>21.01.2021</a:t>
+              <a:t>26.01.2021</a:t>
             </a:fld>
             <a:endParaRPr lang="de-DE"/>
           </a:p>
@@ -5807,7 +5808,7 @@
           <a:p>
             <a:fld id="{8FFAF4F2-3E70-4B74-A1DA-1E58D98C29D5}" type="datetimeFigureOut">
               <a:rPr lang="de-DE" smtClean="0"/>
-              <a:t>21.01.2021</a:t>
+              <a:t>26.01.2021</a:t>
             </a:fld>
             <a:endParaRPr lang="de-DE"/>
           </a:p>
@@ -6118,7 +6119,7 @@
           <a:p>
             <a:fld id="{8FFAF4F2-3E70-4B74-A1DA-1E58D98C29D5}" type="datetimeFigureOut">
               <a:rPr lang="de-DE" smtClean="0"/>
-              <a:t>21.01.2021</a:t>
+              <a:t>26.01.2021</a:t>
             </a:fld>
             <a:endParaRPr lang="de-DE"/>
           </a:p>
@@ -6406,7 +6407,7 @@
           <a:p>
             <a:fld id="{8FFAF4F2-3E70-4B74-A1DA-1E58D98C29D5}" type="datetimeFigureOut">
               <a:rPr lang="de-DE" smtClean="0"/>
-              <a:t>21.01.2021</a:t>
+              <a:t>26.01.2021</a:t>
             </a:fld>
             <a:endParaRPr lang="de-DE"/>
           </a:p>
@@ -6483,9 +6484,24 @@
 <p:sldMaster xmlns:a="http://schemas.openxmlformats.org/drawingml/2006/main" xmlns:r="http://schemas.openxmlformats.org/officeDocument/2006/relationships" xmlns:p="http://schemas.openxmlformats.org/presentationml/2006/main">
   <p:cSld>
     <p:bg>
-      <p:bgRef idx="1001">
-        <a:schemeClr val="bg1"/>
-      </p:bgRef>
+      <p:bgPr>
+        <a:blipFill dpi="0" rotWithShape="1">
+          <a:blip r:embed="rId13">
+            <a:alphaModFix amt="50000"/>
+            <a:lum/>
+            <a:extLst>
+              <a:ext uri="{837473B0-CC2E-450A-ABE3-18F120FF3D39}">
+                <a1611:picAttrSrcUrl xmlns:a1611="http://schemas.microsoft.com/office/drawing/2016/11/main" r:id="rId14"/>
+              </a:ext>
+            </a:extLst>
+          </a:blip>
+          <a:srcRect/>
+          <a:stretch>
+            <a:fillRect/>
+          </a:stretch>
+        </a:blipFill>
+        <a:effectLst/>
+      </p:bgPr>
     </p:bg>
     <p:spTree>
       <p:nvGrpSpPr>
@@ -6647,7 +6663,7 @@
           <a:p>
             <a:fld id="{8FFAF4F2-3E70-4B74-A1DA-1E58D98C29D5}" type="datetimeFigureOut">
               <a:rPr lang="de-DE" smtClean="0"/>
-              <a:t>21.01.2021</a:t>
+              <a:t>26.01.2021</a:t>
             </a:fld>
             <a:endParaRPr lang="de-DE"/>
           </a:p>
@@ -7064,6 +7080,412 @@
           <a:chExt cx="0" cy="0"/>
         </a:xfrm>
       </p:grpSpPr>
+      <p:sp useBgFill="1">
+        <p:nvSpPr>
+          <p:cNvPr id="23" name="Rectangle 22">
+            <a:extLst>
+              <a:ext uri="{FF2B5EF4-FFF2-40B4-BE49-F238E27FC236}">
+                <a16:creationId xmlns:a16="http://schemas.microsoft.com/office/drawing/2014/main" id="{0671A8AE-40A1-4631-A6B8-581AFF065482}"/>
+              </a:ext>
+              <a:ext uri="{C183D7F6-B498-43B3-948B-1728B52AA6E4}">
+                <adec:decorative xmlns:adec="http://schemas.microsoft.com/office/drawing/2017/decorative" val="1"/>
+              </a:ext>
+            </a:extLst>
+          </p:cNvPr>
+          <p:cNvSpPr>
+            <a:spLocks noGrp="1" noRot="1" noChangeAspect="1" noMove="1" noResize="1" noEditPoints="1" noAdjustHandles="1" noChangeArrowheads="1" noChangeShapeType="1" noTextEdit="1"/>
+          </p:cNvSpPr>
+          <p:nvPr>
+            <p:extLst>
+              <p:ext uri="{386F3935-93C4-4BCD-93E2-E3B085C9AB24}">
+                <p16:designElem xmlns:p16="http://schemas.microsoft.com/office/powerpoint/2015/main" val="1"/>
+              </p:ext>
+            </p:extLst>
+          </p:nvPr>
+        </p:nvSpPr>
+        <p:spPr>
+          <a:xfrm>
+            <a:off x="0" y="0"/>
+            <a:ext cx="12192000" cy="6858000"/>
+          </a:xfrm>
+          <a:prstGeom prst="rect">
+            <a:avLst/>
+          </a:prstGeom>
+          <a:ln>
+            <a:noFill/>
+          </a:ln>
+        </p:spPr>
+        <p:style>
+          <a:lnRef idx="2">
+            <a:schemeClr val="accent1">
+              <a:shade val="50000"/>
+            </a:schemeClr>
+          </a:lnRef>
+          <a:fillRef idx="1">
+            <a:schemeClr val="accent1"/>
+          </a:fillRef>
+          <a:effectRef idx="0">
+            <a:schemeClr val="accent1"/>
+          </a:effectRef>
+          <a:fontRef idx="minor">
+            <a:schemeClr val="lt1"/>
+          </a:fontRef>
+        </p:style>
+        <p:txBody>
+          <a:bodyPr rtlCol="0" anchor="ctr"/>
+          <a:lstStyle/>
+          <a:p>
+            <a:pPr algn="ctr"/>
+            <a:endParaRPr lang="en-US"/>
+          </a:p>
+        </p:txBody>
+      </p:sp>
+      <p:pic>
+        <p:nvPicPr>
+          <p:cNvPr id="5" name="Grafik 4" descr="Ein Bild, das Objekt, Schachfigur, drinnen enthält.&#10;&#10;Automatisch generierte Beschreibung">
+            <a:extLst>
+              <a:ext uri="{FF2B5EF4-FFF2-40B4-BE49-F238E27FC236}">
+                <a16:creationId xmlns:a16="http://schemas.microsoft.com/office/drawing/2014/main" id="{50FAC300-E167-4A70-8582-7051A0D193D5}"/>
+              </a:ext>
+            </a:extLst>
+          </p:cNvPr>
+          <p:cNvPicPr>
+            <a:picLocks noChangeAspect="1"/>
+          </p:cNvPicPr>
+          <p:nvPr/>
+        </p:nvPicPr>
+        <p:blipFill rotWithShape="1">
+          <a:blip r:embed="rId2">
+            <a:extLst>
+              <a:ext uri="{28A0092B-C50C-407E-A947-70E740481C1C}">
+                <a14:useLocalDpi xmlns:a14="http://schemas.microsoft.com/office/drawing/2010/main" val="0"/>
+              </a:ext>
+              <a:ext uri="{837473B0-CC2E-450A-ABE3-18F120FF3D39}">
+                <a1611:picAttrSrcUrl xmlns:a1611="http://schemas.microsoft.com/office/drawing/2016/11/main" r:id="rId3"/>
+              </a:ext>
+            </a:extLst>
+          </a:blip>
+          <a:srcRect t="9091" r="23298"/>
+          <a:stretch/>
+        </p:blipFill>
+        <p:spPr>
+          <a:xfrm>
+            <a:off x="3523488" y="10"/>
+            <a:ext cx="8668512" cy="6857990"/>
+          </a:xfrm>
+          <a:prstGeom prst="rect">
+            <a:avLst/>
+          </a:prstGeom>
+        </p:spPr>
+      </p:pic>
+      <p:sp>
+        <p:nvSpPr>
+          <p:cNvPr id="25" name="Rectangle 24">
+            <a:extLst>
+              <a:ext uri="{FF2B5EF4-FFF2-40B4-BE49-F238E27FC236}">
+                <a16:creationId xmlns:a16="http://schemas.microsoft.com/office/drawing/2014/main" id="{AB58EF07-17C2-48CF-ABB0-EEF1F17CB8F0}"/>
+              </a:ext>
+              <a:ext uri="{C183D7F6-B498-43B3-948B-1728B52AA6E4}">
+                <adec:decorative xmlns:adec="http://schemas.microsoft.com/office/drawing/2017/decorative" val="1"/>
+              </a:ext>
+            </a:extLst>
+          </p:cNvPr>
+          <p:cNvSpPr>
+            <a:spLocks noGrp="1" noRot="1" noChangeAspect="1" noMove="1" noResize="1" noEditPoints="1" noAdjustHandles="1" noChangeArrowheads="1" noChangeShapeType="1" noTextEdit="1"/>
+          </p:cNvSpPr>
+          <p:nvPr>
+            <p:extLst>
+              <p:ext uri="{386F3935-93C4-4BCD-93E2-E3B085C9AB24}">
+                <p16:designElem xmlns:p16="http://schemas.microsoft.com/office/powerpoint/2015/main" val="1"/>
+              </p:ext>
+            </p:extLst>
+          </p:nvPr>
+        </p:nvSpPr>
+        <p:spPr>
+          <a:xfrm>
+            <a:off x="3" y="0"/>
+            <a:ext cx="9339206" cy="6858000"/>
+          </a:xfrm>
+          <a:prstGeom prst="rect">
+            <a:avLst/>
+          </a:prstGeom>
+          <a:gradFill>
+            <a:gsLst>
+              <a:gs pos="58000">
+                <a:schemeClr val="bg1"/>
+              </a:gs>
+              <a:gs pos="33000">
+                <a:schemeClr val="bg1">
+                  <a:alpha val="64000"/>
+                </a:schemeClr>
+              </a:gs>
+              <a:gs pos="0">
+                <a:schemeClr val="bg1">
+                  <a:alpha val="0"/>
+                </a:schemeClr>
+              </a:gs>
+              <a:gs pos="100000">
+                <a:schemeClr val="bg1"/>
+              </a:gs>
+            </a:gsLst>
+            <a:lin ang="10800000" scaled="0"/>
+          </a:gradFill>
+          <a:ln>
+            <a:noFill/>
+          </a:ln>
+        </p:spPr>
+        <p:style>
+          <a:lnRef idx="2">
+            <a:schemeClr val="accent1">
+              <a:shade val="50000"/>
+            </a:schemeClr>
+          </a:lnRef>
+          <a:fillRef idx="1">
+            <a:schemeClr val="accent1"/>
+          </a:fillRef>
+          <a:effectRef idx="0">
+            <a:schemeClr val="accent1"/>
+          </a:effectRef>
+          <a:fontRef idx="minor">
+            <a:schemeClr val="lt1"/>
+          </a:fontRef>
+        </p:style>
+        <p:txBody>
+          <a:bodyPr rtlCol="0" anchor="ctr"/>
+          <a:lstStyle/>
+          <a:p>
+            <a:pPr algn="ctr"/>
+            <a:endParaRPr lang="en-US" dirty="0"/>
+          </a:p>
+        </p:txBody>
+      </p:sp>
+      <p:sp>
+        <p:nvSpPr>
+          <p:cNvPr id="2" name="Titel 1">
+            <a:extLst>
+              <a:ext uri="{FF2B5EF4-FFF2-40B4-BE49-F238E27FC236}">
+                <a16:creationId xmlns:a16="http://schemas.microsoft.com/office/drawing/2014/main" id="{441E6334-F2C3-4824-B098-F91AB166EF4D}"/>
+              </a:ext>
+            </a:extLst>
+          </p:cNvPr>
+          <p:cNvSpPr>
+            <a:spLocks noGrp="1"/>
+          </p:cNvSpPr>
+          <p:nvPr>
+            <p:ph type="ctrTitle"/>
+          </p:nvPr>
+        </p:nvSpPr>
+        <p:spPr>
+          <a:xfrm>
+            <a:off x="477981" y="1122363"/>
+            <a:ext cx="4023360" cy="3204134"/>
+          </a:xfrm>
+        </p:spPr>
+        <p:txBody>
+          <a:bodyPr anchor="b">
+            <a:normAutofit/>
+          </a:bodyPr>
+          <a:lstStyle/>
+          <a:p>
+            <a:pPr algn="l"/>
+            <a:r>
+              <a:rPr lang="de-DE" sz="4800" b="1"/>
+              <a:t>GAVA</a:t>
+            </a:r>
+          </a:p>
+        </p:txBody>
+      </p:sp>
+      <p:sp>
+        <p:nvSpPr>
+          <p:cNvPr id="27" name="Rectangle 26">
+            <a:extLst>
+              <a:ext uri="{FF2B5EF4-FFF2-40B4-BE49-F238E27FC236}">
+                <a16:creationId xmlns:a16="http://schemas.microsoft.com/office/drawing/2014/main" id="{AF2F604E-43BE-4DC3-B983-E071523364F8}"/>
+              </a:ext>
+              <a:ext uri="{C183D7F6-B498-43B3-948B-1728B52AA6E4}">
+                <adec:decorative xmlns:adec="http://schemas.microsoft.com/office/drawing/2017/decorative" val="1"/>
+              </a:ext>
+            </a:extLst>
+          </p:cNvPr>
+          <p:cNvSpPr>
+            <a:spLocks noGrp="1" noRot="1" noChangeAspect="1" noMove="1" noResize="1" noEditPoints="1" noAdjustHandles="1" noChangeArrowheads="1" noChangeShapeType="1" noTextEdit="1"/>
+          </p:cNvSpPr>
+          <p:nvPr>
+            <p:extLst>
+              <p:ext uri="{386F3935-93C4-4BCD-93E2-E3B085C9AB24}">
+                <p16:designElem xmlns:p16="http://schemas.microsoft.com/office/powerpoint/2015/main" val="1"/>
+              </p:ext>
+            </p:extLst>
+          </p:nvPr>
+        </p:nvSpPr>
+        <p:spPr>
+          <a:xfrm rot="5400000">
+            <a:off x="759921" y="346791"/>
+            <a:ext cx="146304" cy="704088"/>
+          </a:xfrm>
+          <a:prstGeom prst="rect">
+            <a:avLst/>
+          </a:prstGeom>
+          <a:solidFill>
+            <a:schemeClr val="accent2"/>
+          </a:solidFill>
+          <a:ln>
+            <a:noFill/>
+          </a:ln>
+        </p:spPr>
+        <p:style>
+          <a:lnRef idx="2">
+            <a:schemeClr val="accent1">
+              <a:shade val="50000"/>
+            </a:schemeClr>
+          </a:lnRef>
+          <a:fillRef idx="1">
+            <a:schemeClr val="accent1"/>
+          </a:fillRef>
+          <a:effectRef idx="0">
+            <a:schemeClr val="accent1"/>
+          </a:effectRef>
+          <a:fontRef idx="minor">
+            <a:schemeClr val="lt1"/>
+          </a:fontRef>
+        </p:style>
+        <p:txBody>
+          <a:bodyPr rtlCol="0" anchor="ctr"/>
+          <a:lstStyle/>
+          <a:p>
+            <a:pPr algn="ctr"/>
+            <a:endParaRPr lang="en-US">
+              <a:solidFill>
+                <a:prstClr val="white"/>
+              </a:solidFill>
+              <a:latin typeface="Calibri" panose="020F0502020204030204"/>
+            </a:endParaRPr>
+          </a:p>
+        </p:txBody>
+      </p:sp>
+      <p:sp>
+        <p:nvSpPr>
+          <p:cNvPr id="29" name="Rectangle 28">
+            <a:extLst>
+              <a:ext uri="{FF2B5EF4-FFF2-40B4-BE49-F238E27FC236}">
+                <a16:creationId xmlns:a16="http://schemas.microsoft.com/office/drawing/2014/main" id="{08C9B587-E65E-4B52-B37C-ABEBB6E87928}"/>
+              </a:ext>
+              <a:ext uri="{C183D7F6-B498-43B3-948B-1728B52AA6E4}">
+                <adec:decorative xmlns:adec="http://schemas.microsoft.com/office/drawing/2017/decorative" val="1"/>
+              </a:ext>
+            </a:extLst>
+          </p:cNvPr>
+          <p:cNvSpPr>
+            <a:spLocks noGrp="1" noRot="1" noChangeAspect="1" noMove="1" noResize="1" noEditPoints="1" noAdjustHandles="1" noChangeArrowheads="1" noChangeShapeType="1" noTextEdit="1"/>
+          </p:cNvSpPr>
+          <p:nvPr>
+            <p:extLst>
+              <p:ext uri="{386F3935-93C4-4BCD-93E2-E3B085C9AB24}">
+                <p16:designElem xmlns:p16="http://schemas.microsoft.com/office/powerpoint/2015/main" val="1"/>
+              </p:ext>
+            </p:extLst>
+          </p:nvPr>
+        </p:nvSpPr>
+        <p:spPr>
+          <a:xfrm>
+            <a:off x="481029" y="4546920"/>
+            <a:ext cx="3977640" cy="18288"/>
+          </a:xfrm>
+          <a:prstGeom prst="rect">
+            <a:avLst/>
+          </a:prstGeom>
+          <a:solidFill>
+            <a:schemeClr val="tx1"/>
+          </a:solidFill>
+          <a:ln w="3175">
+            <a:noFill/>
+          </a:ln>
+          <a:effectLst/>
+        </p:spPr>
+        <p:style>
+          <a:lnRef idx="2">
+            <a:schemeClr val="accent1">
+              <a:shade val="50000"/>
+            </a:schemeClr>
+          </a:lnRef>
+          <a:fillRef idx="1">
+            <a:schemeClr val="accent1"/>
+          </a:fillRef>
+          <a:effectRef idx="0">
+            <a:schemeClr val="accent1"/>
+          </a:effectRef>
+          <a:fontRef idx="minor">
+            <a:schemeClr val="lt1"/>
+          </a:fontRef>
+        </p:style>
+        <p:txBody>
+          <a:bodyPr rtlCol="0" anchor="ctr"/>
+          <a:lstStyle/>
+          <a:p>
+            <a:pPr marL="0" marR="0" lvl="0" indent="0" algn="ctr" defTabSz="914400" rtl="0" eaLnBrk="1" fontAlgn="auto" latinLnBrk="0" hangingPunct="1">
+              <a:lnSpc>
+                <a:spcPct val="100000"/>
+              </a:lnSpc>
+              <a:spcBef>
+                <a:spcPts val="0"/>
+              </a:spcBef>
+              <a:spcAft>
+                <a:spcPts val="0"/>
+              </a:spcAft>
+              <a:buClrTx/>
+              <a:buSzTx/>
+              <a:buFontTx/>
+              <a:buNone/>
+              <a:tabLst/>
+              <a:defRPr/>
+            </a:pPr>
+            <a:endParaRPr kumimoji="0" lang="en-US" sz="1800" b="0" i="0" u="none" strike="noStrike" kern="1200" cap="none" spc="0" normalizeH="0" baseline="0" noProof="0">
+              <a:ln>
+                <a:noFill/>
+              </a:ln>
+              <a:solidFill>
+                <a:prstClr val="white"/>
+              </a:solidFill>
+              <a:effectLst/>
+              <a:uLnTx/>
+              <a:uFillTx/>
+              <a:latin typeface="Calibri" panose="020F0502020204030204"/>
+              <a:ea typeface="+mn-ea"/>
+              <a:cs typeface="+mn-cs"/>
+            </a:endParaRPr>
+          </a:p>
+        </p:txBody>
+      </p:sp>
+    </p:spTree>
+    <p:extLst>
+      <p:ext uri="{BB962C8B-B14F-4D97-AF65-F5344CB8AC3E}">
+        <p14:creationId xmlns:p14="http://schemas.microsoft.com/office/powerpoint/2010/main" val="3440725580"/>
+      </p:ext>
+    </p:extLst>
+  </p:cSld>
+  <p:clrMapOvr>
+    <a:overrideClrMapping bg1="dk1" tx1="lt1" bg2="dk2" tx2="lt2" accent1="accent1" accent2="accent2" accent3="accent3" accent4="accent4" accent5="accent5" accent6="accent6" hlink="hlink" folHlink="folHlink"/>
+  </p:clrMapOvr>
+</p:sld>
+</file>
+
+<file path=ppt/slides/slide2.xml><?xml version="1.0" encoding="utf-8"?>
+<p:sld xmlns:a="http://schemas.openxmlformats.org/drawingml/2006/main" xmlns:r="http://schemas.openxmlformats.org/officeDocument/2006/relationships" xmlns:p="http://schemas.openxmlformats.org/presentationml/2006/main">
+  <p:cSld>
+    <p:spTree>
+      <p:nvGrpSpPr>
+        <p:cNvPr id="1" name=""/>
+        <p:cNvGrpSpPr/>
+        <p:nvPr/>
+      </p:nvGrpSpPr>
+      <p:grpSpPr>
+        <a:xfrm>
+          <a:off x="0" y="0"/>
+          <a:ext cx="0" cy="0"/>
+          <a:chOff x="0" y="0"/>
+          <a:chExt cx="0" cy="0"/>
+        </a:xfrm>
+      </p:grpSpPr>
       <p:graphicFrame>
         <p:nvGraphicFramePr>
           <p:cNvPr id="4" name="Diagramm 3">
@@ -7188,7 +7610,7 @@
 </p:sld>
 </file>
 
-<file path=ppt/slides/slide2.xml><?xml version="1.0" encoding="utf-8"?>
+<file path=ppt/slides/slide3.xml><?xml version="1.0" encoding="utf-8"?>
 <p:sld xmlns:a="http://schemas.openxmlformats.org/drawingml/2006/main" xmlns:r="http://schemas.openxmlformats.org/officeDocument/2006/relationships" xmlns:p="http://schemas.openxmlformats.org/presentationml/2006/main">
   <p:cSld>
     <p:spTree>
@@ -7219,16 +7641,15 @@
           </p:cNvPicPr>
           <p:nvPr/>
         </p:nvPicPr>
-        <p:blipFill>
+        <p:blipFill rotWithShape="1">
           <a:blip r:embed="rId2"/>
-          <a:stretch>
-            <a:fillRect/>
-          </a:stretch>
+          <a:srcRect t="5711" b="21232"/>
+          <a:stretch/>
         </p:blipFill>
         <p:spPr>
           <a:xfrm>
-            <a:off x="1583649" y="660380"/>
-            <a:ext cx="9024702" cy="6111792"/>
+            <a:off x="786901" y="565377"/>
+            <a:ext cx="10618197" cy="5253532"/>
           </a:xfrm>
           <a:prstGeom prst="rect">
             <a:avLst/>
@@ -7285,7 +7706,7 @@
 </p:sld>
 </file>
 
-<file path=ppt/slides/slide3.xml><?xml version="1.0" encoding="utf-8"?>
+<file path=ppt/slides/slide4.xml><?xml version="1.0" encoding="utf-8"?>
 <p:sld xmlns:a="http://schemas.openxmlformats.org/drawingml/2006/main" xmlns:r="http://schemas.openxmlformats.org/officeDocument/2006/relationships" xmlns:p="http://schemas.openxmlformats.org/presentationml/2006/main">
   <p:cSld>
     <p:spTree>
@@ -7382,17 +7803,9 @@
 </p:sld>
 </file>
 
-<file path=ppt/slides/slide4.xml><?xml version="1.0" encoding="utf-8"?>
+<file path=ppt/slides/slide5.xml><?xml version="1.0" encoding="utf-8"?>
 <p:sld xmlns:a="http://schemas.openxmlformats.org/drawingml/2006/main" xmlns:r="http://schemas.openxmlformats.org/officeDocument/2006/relationships" xmlns:p="http://schemas.openxmlformats.org/presentationml/2006/main">
   <p:cSld>
-    <p:bg>
-      <p:bgPr>
-        <a:solidFill>
-          <a:schemeClr val="bg1"/>
-        </a:solidFill>
-        <a:effectLst/>
-      </p:bgPr>
-    </p:bg>
     <p:spTree>
       <p:nvGrpSpPr>
         <p:cNvPr id="1" name=""/>
@@ -7407,66 +7820,6 @@
           <a:chExt cx="0" cy="0"/>
         </a:xfrm>
       </p:grpSpPr>
-      <p:sp useBgFill="1">
-        <p:nvSpPr>
-          <p:cNvPr id="10" name="Rectangle 9">
-            <a:extLst>
-              <a:ext uri="{FF2B5EF4-FFF2-40B4-BE49-F238E27FC236}">
-                <a16:creationId xmlns:a16="http://schemas.microsoft.com/office/drawing/2014/main" id="{53F29798-D584-4792-9B62-3F5F5C36D619}"/>
-              </a:ext>
-              <a:ext uri="{C183D7F6-B498-43B3-948B-1728B52AA6E4}">
-                <adec:decorative xmlns:adec="http://schemas.microsoft.com/office/drawing/2017/decorative" val="1"/>
-              </a:ext>
-            </a:extLst>
-          </p:cNvPr>
-          <p:cNvSpPr>
-            <a:spLocks noGrp="1" noRot="1" noChangeAspect="1" noMove="1" noResize="1" noEditPoints="1" noAdjustHandles="1" noChangeArrowheads="1" noChangeShapeType="1" noTextEdit="1"/>
-          </p:cNvSpPr>
-          <p:nvPr>
-            <p:extLst>
-              <p:ext uri="{386F3935-93C4-4BCD-93E2-E3B085C9AB24}">
-                <p16:designElem xmlns:p16="http://schemas.microsoft.com/office/powerpoint/2015/main" val="1"/>
-              </p:ext>
-            </p:extLst>
-          </p:nvPr>
-        </p:nvSpPr>
-        <p:spPr>
-          <a:xfrm>
-            <a:off x="0" y="0"/>
-            <a:ext cx="12188952" cy="6858000"/>
-          </a:xfrm>
-          <a:prstGeom prst="rect">
-            <a:avLst/>
-          </a:prstGeom>
-          <a:ln>
-            <a:noFill/>
-          </a:ln>
-        </p:spPr>
-        <p:style>
-          <a:lnRef idx="2">
-            <a:schemeClr val="accent1">
-              <a:shade val="50000"/>
-            </a:schemeClr>
-          </a:lnRef>
-          <a:fillRef idx="1">
-            <a:schemeClr val="accent1"/>
-          </a:fillRef>
-          <a:effectRef idx="0">
-            <a:schemeClr val="accent1"/>
-          </a:effectRef>
-          <a:fontRef idx="minor">
-            <a:schemeClr val="lt1"/>
-          </a:fontRef>
-        </p:style>
-        <p:txBody>
-          <a:bodyPr rtlCol="0" anchor="ctr"/>
-          <a:lstStyle/>
-          <a:p>
-            <a:pPr algn="ctr"/>
-            <a:endParaRPr lang="en-US"/>
-          </a:p>
-        </p:txBody>
-      </p:sp>
       <p:sp>
         <p:nvSpPr>
           <p:cNvPr id="9" name="Textfeld 8">

--- a/Präsentation/Präsentation.pptx
+++ b/Präsentation/Präsentation.pptx
@@ -7648,7 +7648,7 @@
         </p:blipFill>
         <p:spPr>
           <a:xfrm>
-            <a:off x="786901" y="565377"/>
+            <a:off x="786901" y="1051938"/>
             <a:ext cx="10618197" cy="5253532"/>
           </a:xfrm>
           <a:prstGeom prst="rect">
@@ -7670,7 +7670,7 @@
         </p:nvSpPr>
         <p:spPr>
           <a:xfrm>
-            <a:off x="495300" y="137160"/>
+            <a:off x="495299" y="422386"/>
             <a:ext cx="11201400" cy="523220"/>
           </a:xfrm>
           <a:prstGeom prst="rect">
@@ -7745,7 +7745,7 @@
         </p:blipFill>
         <p:spPr>
           <a:xfrm>
-            <a:off x="757237" y="573168"/>
+            <a:off x="757237" y="959062"/>
             <a:ext cx="10677525" cy="5391150"/>
           </a:xfrm>
           <a:prstGeom prst="rect">
@@ -7767,7 +7767,7 @@
         </p:nvSpPr>
         <p:spPr>
           <a:xfrm>
-            <a:off x="495300" y="137160"/>
+            <a:off x="495299" y="435842"/>
             <a:ext cx="11201400" cy="523220"/>
           </a:xfrm>
           <a:prstGeom prst="rect">
@@ -7834,7 +7834,7 @@
         </p:nvSpPr>
         <p:spPr>
           <a:xfrm>
-            <a:off x="495300" y="137160"/>
+            <a:off x="495300" y="279773"/>
             <a:ext cx="11201400" cy="523220"/>
           </a:xfrm>
           <a:prstGeom prst="rect">
@@ -7879,7 +7879,7 @@
         </p:blipFill>
         <p:spPr>
           <a:xfrm>
-            <a:off x="1672876" y="660380"/>
+            <a:off x="1672876" y="802993"/>
             <a:ext cx="8846248" cy="5852956"/>
           </a:xfrm>
           <a:prstGeom prst="rect">

--- a/Präsentation/Präsentation.pptx
+++ b/Präsentation/Präsentation.pptx
@@ -10,6 +10,12 @@
     <p:sldId id="257" r:id="rId4"/>
     <p:sldId id="259" r:id="rId5"/>
     <p:sldId id="258" r:id="rId6"/>
+    <p:sldId id="262" r:id="rId7"/>
+    <p:sldId id="267" r:id="rId8"/>
+    <p:sldId id="263" r:id="rId9"/>
+    <p:sldId id="265" r:id="rId10"/>
+    <p:sldId id="264" r:id="rId11"/>
+    <p:sldId id="266" r:id="rId12"/>
   </p:sldIdLst>
   <p:sldSz cx="12192000" cy="6858000"/>
   <p:notesSz cx="6858000" cy="9144000"/>
@@ -1329,7 +1335,11 @@
     </dgm:pt>
     <dgm:pt modelId="{96C0D530-165E-4368-9EB8-22AC7939BAEB}">
       <dgm:prSet/>
-      <dgm:spPr/>
+      <dgm:spPr>
+        <a:solidFill>
+          <a:srgbClr val="E1DCDB"/>
+        </a:solidFill>
+      </dgm:spPr>
       <dgm:t>
         <a:bodyPr/>
         <a:lstStyle/>
@@ -1680,13 +1690,7 @@
           <a:avLst/>
         </a:prstGeom>
         <a:solidFill>
-          <a:schemeClr val="lt2">
-            <a:alpha val="90000"/>
-            <a:hueOff val="0"/>
-            <a:satOff val="0"/>
-            <a:lumOff val="0"/>
-            <a:alphaOff val="0"/>
-          </a:schemeClr>
+          <a:srgbClr val="E1DCDB"/>
         </a:solidFill>
         <a:ln w="12700" cap="flat" cmpd="sng" algn="ctr">
           <a:solidFill>
@@ -3998,7 +4002,7 @@
           <a:p>
             <a:fld id="{8FFAF4F2-3E70-4B74-A1DA-1E58D98C29D5}" type="datetimeFigureOut">
               <a:rPr lang="de-DE" smtClean="0"/>
-              <a:t>26.01.2021</a:t>
+              <a:t>27.01.2021</a:t>
             </a:fld>
             <a:endParaRPr lang="de-DE"/>
           </a:p>
@@ -4196,7 +4200,7 @@
           <a:p>
             <a:fld id="{8FFAF4F2-3E70-4B74-A1DA-1E58D98C29D5}" type="datetimeFigureOut">
               <a:rPr lang="de-DE" smtClean="0"/>
-              <a:t>26.01.2021</a:t>
+              <a:t>27.01.2021</a:t>
             </a:fld>
             <a:endParaRPr lang="de-DE"/>
           </a:p>
@@ -4404,7 +4408,7 @@
           <a:p>
             <a:fld id="{8FFAF4F2-3E70-4B74-A1DA-1E58D98C29D5}" type="datetimeFigureOut">
               <a:rPr lang="de-DE" smtClean="0"/>
-              <a:t>26.01.2021</a:t>
+              <a:t>27.01.2021</a:t>
             </a:fld>
             <a:endParaRPr lang="de-DE"/>
           </a:p>
@@ -4602,7 +4606,7 @@
           <a:p>
             <a:fld id="{8FFAF4F2-3E70-4B74-A1DA-1E58D98C29D5}" type="datetimeFigureOut">
               <a:rPr lang="de-DE" smtClean="0"/>
-              <a:t>26.01.2021</a:t>
+              <a:t>27.01.2021</a:t>
             </a:fld>
             <a:endParaRPr lang="de-DE"/>
           </a:p>
@@ -4877,7 +4881,7 @@
           <a:p>
             <a:fld id="{8FFAF4F2-3E70-4B74-A1DA-1E58D98C29D5}" type="datetimeFigureOut">
               <a:rPr lang="de-DE" smtClean="0"/>
-              <a:t>26.01.2021</a:t>
+              <a:t>27.01.2021</a:t>
             </a:fld>
             <a:endParaRPr lang="de-DE"/>
           </a:p>
@@ -5142,7 +5146,7 @@
           <a:p>
             <a:fld id="{8FFAF4F2-3E70-4B74-A1DA-1E58D98C29D5}" type="datetimeFigureOut">
               <a:rPr lang="de-DE" smtClean="0"/>
-              <a:t>26.01.2021</a:t>
+              <a:t>27.01.2021</a:t>
             </a:fld>
             <a:endParaRPr lang="de-DE"/>
           </a:p>
@@ -5554,7 +5558,7 @@
           <a:p>
             <a:fld id="{8FFAF4F2-3E70-4B74-A1DA-1E58D98C29D5}" type="datetimeFigureOut">
               <a:rPr lang="de-DE" smtClean="0"/>
-              <a:t>26.01.2021</a:t>
+              <a:t>27.01.2021</a:t>
             </a:fld>
             <a:endParaRPr lang="de-DE"/>
           </a:p>
@@ -5695,7 +5699,7 @@
           <a:p>
             <a:fld id="{8FFAF4F2-3E70-4B74-A1DA-1E58D98C29D5}" type="datetimeFigureOut">
               <a:rPr lang="de-DE" smtClean="0"/>
-              <a:t>26.01.2021</a:t>
+              <a:t>27.01.2021</a:t>
             </a:fld>
             <a:endParaRPr lang="de-DE"/>
           </a:p>
@@ -5808,7 +5812,7 @@
           <a:p>
             <a:fld id="{8FFAF4F2-3E70-4B74-A1DA-1E58D98C29D5}" type="datetimeFigureOut">
               <a:rPr lang="de-DE" smtClean="0"/>
-              <a:t>26.01.2021</a:t>
+              <a:t>27.01.2021</a:t>
             </a:fld>
             <a:endParaRPr lang="de-DE"/>
           </a:p>
@@ -6119,7 +6123,7 @@
           <a:p>
             <a:fld id="{8FFAF4F2-3E70-4B74-A1DA-1E58D98C29D5}" type="datetimeFigureOut">
               <a:rPr lang="de-DE" smtClean="0"/>
-              <a:t>26.01.2021</a:t>
+              <a:t>27.01.2021</a:t>
             </a:fld>
             <a:endParaRPr lang="de-DE"/>
           </a:p>
@@ -6407,7 +6411,7 @@
           <a:p>
             <a:fld id="{8FFAF4F2-3E70-4B74-A1DA-1E58D98C29D5}" type="datetimeFigureOut">
               <a:rPr lang="de-DE" smtClean="0"/>
-              <a:t>26.01.2021</a:t>
+              <a:t>27.01.2021</a:t>
             </a:fld>
             <a:endParaRPr lang="de-DE"/>
           </a:p>
@@ -6663,7 +6667,7 @@
           <a:p>
             <a:fld id="{8FFAF4F2-3E70-4B74-A1DA-1E58D98C29D5}" type="datetimeFigureOut">
               <a:rPr lang="de-DE" smtClean="0"/>
-              <a:t>26.01.2021</a:t>
+              <a:t>27.01.2021</a:t>
             </a:fld>
             <a:endParaRPr lang="de-DE"/>
           </a:p>
@@ -7469,6 +7473,322 @@
 </p:sld>
 </file>
 
+<file path=ppt/slides/slide10.xml><?xml version="1.0" encoding="utf-8"?>
+<p:sld xmlns:a="http://schemas.openxmlformats.org/drawingml/2006/main" xmlns:r="http://schemas.openxmlformats.org/officeDocument/2006/relationships" xmlns:p="http://schemas.openxmlformats.org/presentationml/2006/main">
+  <p:cSld>
+    <p:bg>
+      <p:bgPr>
+        <a:solidFill>
+          <a:schemeClr val="bg1"/>
+        </a:solidFill>
+        <a:effectLst/>
+      </p:bgPr>
+    </p:bg>
+    <p:spTree>
+      <p:nvGrpSpPr>
+        <p:cNvPr id="1" name=""/>
+        <p:cNvGrpSpPr/>
+        <p:nvPr/>
+      </p:nvGrpSpPr>
+      <p:grpSpPr>
+        <a:xfrm>
+          <a:off x="0" y="0"/>
+          <a:ext cx="0" cy="0"/>
+          <a:chOff x="0" y="0"/>
+          <a:chExt cx="0" cy="0"/>
+        </a:xfrm>
+      </p:grpSpPr>
+      <p:sp>
+        <p:nvSpPr>
+          <p:cNvPr id="2" name="Titel 1">
+            <a:extLst>
+              <a:ext uri="{FF2B5EF4-FFF2-40B4-BE49-F238E27FC236}">
+                <a16:creationId xmlns:a16="http://schemas.microsoft.com/office/drawing/2014/main" id="{761FBD43-029F-4194-BB10-8000CEA1A382}"/>
+              </a:ext>
+            </a:extLst>
+          </p:cNvPr>
+          <p:cNvSpPr>
+            <a:spLocks noGrp="1"/>
+          </p:cNvSpPr>
+          <p:nvPr>
+            <p:ph type="title"/>
+          </p:nvPr>
+        </p:nvSpPr>
+        <p:spPr/>
+        <p:txBody>
+          <a:bodyPr/>
+          <a:lstStyle/>
+          <a:p>
+            <a:r>
+              <a:rPr lang="de-DE" dirty="0"/>
+              <a:t>Spielbrett – String Repräsentierung</a:t>
+            </a:r>
+          </a:p>
+        </p:txBody>
+      </p:sp>
+      <p:sp>
+        <p:nvSpPr>
+          <p:cNvPr id="3" name="Inhaltsplatzhalter 2">
+            <a:extLst>
+              <a:ext uri="{FF2B5EF4-FFF2-40B4-BE49-F238E27FC236}">
+                <a16:creationId xmlns:a16="http://schemas.microsoft.com/office/drawing/2014/main" id="{727F2DAE-AA73-4638-8BC3-742DF5B5E668}"/>
+              </a:ext>
+            </a:extLst>
+          </p:cNvPr>
+          <p:cNvSpPr>
+            <a:spLocks noGrp="1"/>
+          </p:cNvSpPr>
+          <p:nvPr>
+            <p:ph idx="1"/>
+          </p:nvPr>
+        </p:nvSpPr>
+        <p:spPr>
+          <a:xfrm>
+            <a:off x="838200" y="1825624"/>
+            <a:ext cx="10515600" cy="4667251"/>
+          </a:xfrm>
+        </p:spPr>
+        <p:txBody>
+          <a:bodyPr/>
+          <a:lstStyle/>
+          <a:p>
+            <a:r>
+              <a:rPr lang="de-DE" dirty="0"/>
+              <a:t>String enthält immer alle 32 Spielfiguren</a:t>
+            </a:r>
+          </a:p>
+          <a:p>
+            <a:r>
+              <a:rPr lang="de-DE" dirty="0"/>
+              <a:t>Jede Figur hat einen fixen Index</a:t>
+            </a:r>
+          </a:p>
+          <a:p>
+            <a:pPr lvl="1"/>
+            <a:r>
+              <a:rPr lang="de-DE" sz="2600" b="1" dirty="0"/>
+              <a:t>&lt;name,color,hasMoved=currentPosition&gt;</a:t>
+            </a:r>
+          </a:p>
+          <a:p>
+            <a:pPr marL="457200" lvl="1" indent="0">
+              <a:buNone/>
+            </a:pPr>
+            <a:endParaRPr lang="de-DE" sz="2800" dirty="0"/>
+          </a:p>
+          <a:p>
+            <a:r>
+              <a:rPr lang="de-DE" dirty="0"/>
+              <a:t>Beispiel:</a:t>
+            </a:r>
+          </a:p>
+          <a:p>
+            <a:pPr lvl="1"/>
+            <a:r>
+              <a:rPr lang="de-DE" sz="2600" b="1" dirty="0"/>
+              <a:t>&lt;rook,black,0=A8&gt;</a:t>
+            </a:r>
+          </a:p>
+          <a:p>
+            <a:pPr lvl="1"/>
+            <a:endParaRPr lang="de-DE" sz="2600" b="1" dirty="0"/>
+          </a:p>
+          <a:p>
+            <a:r>
+              <a:rPr lang="de-DE" sz="3000" dirty="0"/>
+              <a:t>Wenn eine Figur geschlagen wird, ändert sich die Position zu null</a:t>
+            </a:r>
+          </a:p>
+          <a:p>
+            <a:pPr lvl="1"/>
+            <a:r>
+              <a:rPr lang="de-DE" sz="2600" b="1" dirty="0"/>
+              <a:t>&lt;rook,black,0=null&gt;</a:t>
+            </a:r>
+          </a:p>
+          <a:p>
+            <a:pPr lvl="1"/>
+            <a:endParaRPr lang="de-DE" sz="2600" dirty="0"/>
+          </a:p>
+          <a:p>
+            <a:pPr lvl="1"/>
+            <a:endParaRPr lang="de-DE" sz="2600" b="1" dirty="0"/>
+          </a:p>
+          <a:p>
+            <a:endParaRPr lang="de-DE" dirty="0"/>
+          </a:p>
+          <a:p>
+            <a:pPr marL="0" indent="0">
+              <a:buNone/>
+            </a:pPr>
+            <a:endParaRPr lang="de-DE" dirty="0"/>
+          </a:p>
+          <a:p>
+            <a:endParaRPr lang="de-DE" dirty="0"/>
+          </a:p>
+          <a:p>
+            <a:endParaRPr lang="de-DE" dirty="0"/>
+          </a:p>
+          <a:p>
+            <a:endParaRPr lang="de-DE" dirty="0"/>
+          </a:p>
+        </p:txBody>
+      </p:sp>
+    </p:spTree>
+    <p:extLst>
+      <p:ext uri="{BB962C8B-B14F-4D97-AF65-F5344CB8AC3E}">
+        <p14:creationId xmlns:p14="http://schemas.microsoft.com/office/powerpoint/2010/main" val="3526563872"/>
+      </p:ext>
+    </p:extLst>
+  </p:cSld>
+  <p:clrMapOvr>
+    <a:masterClrMapping/>
+  </p:clrMapOvr>
+</p:sld>
+</file>
+
+<file path=ppt/slides/slide11.xml><?xml version="1.0" encoding="utf-8"?>
+<p:sld xmlns:a="http://schemas.openxmlformats.org/drawingml/2006/main" xmlns:r="http://schemas.openxmlformats.org/officeDocument/2006/relationships" xmlns:p="http://schemas.openxmlformats.org/presentationml/2006/main">
+  <p:cSld>
+    <p:bg>
+      <p:bgPr>
+        <a:solidFill>
+          <a:schemeClr val="bg1"/>
+        </a:solidFill>
+        <a:effectLst/>
+      </p:bgPr>
+    </p:bg>
+    <p:spTree>
+      <p:nvGrpSpPr>
+        <p:cNvPr id="1" name=""/>
+        <p:cNvGrpSpPr/>
+        <p:nvPr/>
+      </p:nvGrpSpPr>
+      <p:grpSpPr>
+        <a:xfrm>
+          <a:off x="0" y="0"/>
+          <a:ext cx="0" cy="0"/>
+          <a:chOff x="0" y="0"/>
+          <a:chExt cx="0" cy="0"/>
+        </a:xfrm>
+      </p:grpSpPr>
+      <p:pic>
+        <p:nvPicPr>
+          <p:cNvPr id="5" name="Grafik 4">
+            <a:extLst>
+              <a:ext uri="{FF2B5EF4-FFF2-40B4-BE49-F238E27FC236}">
+                <a16:creationId xmlns:a16="http://schemas.microsoft.com/office/drawing/2014/main" id="{3632C87D-288F-4ACE-B4CF-891D03A71E5C}"/>
+              </a:ext>
+            </a:extLst>
+          </p:cNvPr>
+          <p:cNvPicPr>
+            <a:picLocks noChangeAspect="1"/>
+          </p:cNvPicPr>
+          <p:nvPr/>
+        </p:nvPicPr>
+        <p:blipFill>
+          <a:blip r:embed="rId2">
+            <a:extLst>
+              <a:ext uri="{28A0092B-C50C-407E-A947-70E740481C1C}">
+                <a14:useLocalDpi xmlns:a14="http://schemas.microsoft.com/office/drawing/2010/main" val="0"/>
+              </a:ext>
+            </a:extLst>
+          </a:blip>
+          <a:stretch>
+            <a:fillRect/>
+          </a:stretch>
+        </p:blipFill>
+        <p:spPr>
+          <a:xfrm>
+            <a:off x="395369" y="0"/>
+            <a:ext cx="6765210" cy="6858000"/>
+          </a:xfrm>
+          <a:prstGeom prst="rect">
+            <a:avLst/>
+          </a:prstGeom>
+        </p:spPr>
+      </p:pic>
+      <p:sp>
+        <p:nvSpPr>
+          <p:cNvPr id="6" name="Textfeld 5">
+            <a:extLst>
+              <a:ext uri="{FF2B5EF4-FFF2-40B4-BE49-F238E27FC236}">
+                <a16:creationId xmlns:a16="http://schemas.microsoft.com/office/drawing/2014/main" id="{A85BD74F-5E7A-49DD-A025-9EB066BA8183}"/>
+              </a:ext>
+            </a:extLst>
+          </p:cNvPr>
+          <p:cNvSpPr txBox="1"/>
+          <p:nvPr/>
+        </p:nvSpPr>
+        <p:spPr>
+          <a:xfrm>
+            <a:off x="7425860" y="1905506"/>
+            <a:ext cx="4472989" cy="3046988"/>
+          </a:xfrm>
+          <a:prstGeom prst="rect">
+            <a:avLst/>
+          </a:prstGeom>
+          <a:noFill/>
+        </p:spPr>
+        <p:txBody>
+          <a:bodyPr wrap="square" rtlCol="0">
+            <a:spAutoFit/>
+          </a:bodyPr>
+          <a:lstStyle/>
+          <a:p>
+            <a:r>
+              <a:rPr lang="de-DE" sz="2800" dirty="0"/>
+              <a:t>Mühle:</a:t>
+            </a:r>
+          </a:p>
+          <a:p>
+            <a:endParaRPr lang="de-DE" sz="2800" dirty="0"/>
+          </a:p>
+          <a:p>
+            <a:pPr marL="342900" indent="-342900">
+              <a:buFont typeface="Arial" panose="020B0604020202020204" pitchFamily="34" charset="0"/>
+              <a:buChar char="•"/>
+            </a:pPr>
+            <a:r>
+              <a:rPr lang="de-DE" sz="2800" dirty="0"/>
+              <a:t>Analog zu Schach</a:t>
+            </a:r>
+          </a:p>
+          <a:p>
+            <a:endParaRPr lang="de-DE" sz="2800" dirty="0"/>
+          </a:p>
+          <a:p>
+            <a:pPr marL="342900" indent="-342900">
+              <a:buFont typeface="Arial" panose="020B0604020202020204" pitchFamily="34" charset="0"/>
+              <a:buChar char="•"/>
+            </a:pPr>
+            <a:r>
+              <a:rPr lang="de-DE" sz="2800" dirty="0"/>
+              <a:t>String repräsentiert Position aller Figuren</a:t>
+            </a:r>
+          </a:p>
+          <a:p>
+            <a:pPr marL="342900" indent="-342900">
+              <a:buFont typeface="Arial" panose="020B0604020202020204" pitchFamily="34" charset="0"/>
+              <a:buChar char="•"/>
+            </a:pPr>
+            <a:endParaRPr lang="de-DE" sz="2400" dirty="0"/>
+          </a:p>
+        </p:txBody>
+      </p:sp>
+    </p:spTree>
+    <p:extLst>
+      <p:ext uri="{BB962C8B-B14F-4D97-AF65-F5344CB8AC3E}">
+        <p14:creationId xmlns:p14="http://schemas.microsoft.com/office/powerpoint/2010/main" val="2180430814"/>
+      </p:ext>
+    </p:extLst>
+  </p:cSld>
+  <p:clrMapOvr>
+    <a:masterClrMapping/>
+  </p:clrMapOvr>
+</p:sld>
+</file>
+
 <file path=ppt/slides/slide2.xml><?xml version="1.0" encoding="utf-8"?>
 <p:sld xmlns:a="http://schemas.openxmlformats.org/drawingml/2006/main" xmlns:r="http://schemas.openxmlformats.org/officeDocument/2006/relationships" xmlns:p="http://schemas.openxmlformats.org/presentationml/2006/main">
   <p:cSld>
@@ -7499,7 +7819,7 @@
           <p:nvPr>
             <p:extLst>
               <p:ext uri="{D42A27DB-BD31-4B8C-83A1-F6EECF244321}">
-                <p14:modId xmlns:p14="http://schemas.microsoft.com/office/powerpoint/2010/main" val="2423416609"/>
+                <p14:modId xmlns:p14="http://schemas.microsoft.com/office/powerpoint/2010/main" val="4278312998"/>
               </p:ext>
             </p:extLst>
           </p:nvPr>
@@ -7891,6 +8211,864 @@
     <p:extLst>
       <p:ext uri="{BB962C8B-B14F-4D97-AF65-F5344CB8AC3E}">
         <p14:creationId xmlns:p14="http://schemas.microsoft.com/office/powerpoint/2010/main" val="1518578104"/>
+      </p:ext>
+    </p:extLst>
+  </p:cSld>
+  <p:clrMapOvr>
+    <a:masterClrMapping/>
+  </p:clrMapOvr>
+</p:sld>
+</file>
+
+<file path=ppt/slides/slide6.xml><?xml version="1.0" encoding="utf-8"?>
+<p:sld xmlns:a="http://schemas.openxmlformats.org/drawingml/2006/main" xmlns:r="http://schemas.openxmlformats.org/officeDocument/2006/relationships" xmlns:p="http://schemas.openxmlformats.org/presentationml/2006/main">
+  <p:cSld>
+    <p:bg>
+      <p:bgPr>
+        <a:solidFill>
+          <a:schemeClr val="bg1"/>
+        </a:solidFill>
+        <a:effectLst/>
+      </p:bgPr>
+    </p:bg>
+    <p:spTree>
+      <p:nvGrpSpPr>
+        <p:cNvPr id="1" name=""/>
+        <p:cNvGrpSpPr/>
+        <p:nvPr/>
+      </p:nvGrpSpPr>
+      <p:grpSpPr>
+        <a:xfrm>
+          <a:off x="0" y="0"/>
+          <a:ext cx="0" cy="0"/>
+          <a:chOff x="0" y="0"/>
+          <a:chExt cx="0" cy="0"/>
+        </a:xfrm>
+      </p:grpSpPr>
+      <p:sp>
+        <p:nvSpPr>
+          <p:cNvPr id="2" name="Titel 1">
+            <a:extLst>
+              <a:ext uri="{FF2B5EF4-FFF2-40B4-BE49-F238E27FC236}">
+                <a16:creationId xmlns:a16="http://schemas.microsoft.com/office/drawing/2014/main" id="{0B282628-92AE-4278-82AF-9C7EFF2E90A2}"/>
+              </a:ext>
+            </a:extLst>
+          </p:cNvPr>
+          <p:cNvSpPr>
+            <a:spLocks noGrp="1"/>
+          </p:cNvSpPr>
+          <p:nvPr>
+            <p:ph type="title"/>
+          </p:nvPr>
+        </p:nvSpPr>
+        <p:spPr/>
+        <p:txBody>
+          <a:bodyPr/>
+          <a:lstStyle/>
+          <a:p>
+            <a:r>
+              <a:rPr lang="de-DE" dirty="0"/>
+              <a:t>Menü</a:t>
+            </a:r>
+          </a:p>
+        </p:txBody>
+      </p:sp>
+      <p:sp>
+        <p:nvSpPr>
+          <p:cNvPr id="3" name="Inhaltsplatzhalter 2">
+            <a:extLst>
+              <a:ext uri="{FF2B5EF4-FFF2-40B4-BE49-F238E27FC236}">
+                <a16:creationId xmlns:a16="http://schemas.microsoft.com/office/drawing/2014/main" id="{D504394D-25DD-4B5A-8350-C74A11693AB0}"/>
+              </a:ext>
+            </a:extLst>
+          </p:cNvPr>
+          <p:cNvSpPr>
+            <a:spLocks noGrp="1"/>
+          </p:cNvSpPr>
+          <p:nvPr>
+            <p:ph idx="1"/>
+          </p:nvPr>
+        </p:nvSpPr>
+        <p:spPr/>
+        <p:txBody>
+          <a:bodyPr/>
+          <a:lstStyle/>
+          <a:p>
+            <a:r>
+              <a:rPr lang="de-DE" dirty="0"/>
+              <a:t>Spieler hat die Möglichkeit, …</a:t>
+            </a:r>
+          </a:p>
+          <a:p>
+            <a:pPr lvl="1"/>
+            <a:r>
+              <a:rPr lang="de-DE" sz="2600" dirty="0"/>
+              <a:t>… sich einzuloggen</a:t>
+            </a:r>
+          </a:p>
+          <a:p>
+            <a:pPr lvl="1"/>
+            <a:r>
+              <a:rPr lang="de-DE" sz="2600" dirty="0"/>
+              <a:t>… sich einen Account zu erstellen</a:t>
+            </a:r>
+          </a:p>
+          <a:p>
+            <a:pPr lvl="1"/>
+            <a:r>
+              <a:rPr lang="de-DE" sz="2600" dirty="0"/>
+              <a:t>… ein Spiel auszuwählen (Schach oder Mühle)</a:t>
+            </a:r>
+          </a:p>
+          <a:p>
+            <a:pPr lvl="1"/>
+            <a:r>
+              <a:rPr lang="de-DE" sz="2600" dirty="0"/>
+              <a:t>… ein Spiel wiederherzustellen</a:t>
+            </a:r>
+          </a:p>
+          <a:p>
+            <a:endParaRPr lang="de-DE" dirty="0"/>
+          </a:p>
+        </p:txBody>
+      </p:sp>
+    </p:spTree>
+    <p:extLst>
+      <p:ext uri="{BB962C8B-B14F-4D97-AF65-F5344CB8AC3E}">
+        <p14:creationId xmlns:p14="http://schemas.microsoft.com/office/powerpoint/2010/main" val="3927702231"/>
+      </p:ext>
+    </p:extLst>
+  </p:cSld>
+  <p:clrMapOvr>
+    <a:masterClrMapping/>
+  </p:clrMapOvr>
+</p:sld>
+</file>
+
+<file path=ppt/slides/slide7.xml><?xml version="1.0" encoding="utf-8"?>
+<p:sld xmlns:a="http://schemas.openxmlformats.org/drawingml/2006/main" xmlns:r="http://schemas.openxmlformats.org/officeDocument/2006/relationships" xmlns:p="http://schemas.openxmlformats.org/presentationml/2006/main">
+  <p:cSld>
+    <p:bg>
+      <p:bgPr>
+        <a:solidFill>
+          <a:schemeClr val="bg1"/>
+        </a:solidFill>
+        <a:effectLst/>
+      </p:bgPr>
+    </p:bg>
+    <p:spTree>
+      <p:nvGrpSpPr>
+        <p:cNvPr id="1" name=""/>
+        <p:cNvGrpSpPr/>
+        <p:nvPr/>
+      </p:nvGrpSpPr>
+      <p:grpSpPr>
+        <a:xfrm>
+          <a:off x="0" y="0"/>
+          <a:ext cx="0" cy="0"/>
+          <a:chOff x="0" y="0"/>
+          <a:chExt cx="0" cy="0"/>
+        </a:xfrm>
+      </p:grpSpPr>
+      <p:pic>
+        <p:nvPicPr>
+          <p:cNvPr id="5" name="Inhaltsplatzhalter 4">
+            <a:extLst>
+              <a:ext uri="{FF2B5EF4-FFF2-40B4-BE49-F238E27FC236}">
+                <a16:creationId xmlns:a16="http://schemas.microsoft.com/office/drawing/2014/main" id="{055A60F3-D070-49C0-9BD3-0E7BAFC1242C}"/>
+              </a:ext>
+            </a:extLst>
+          </p:cNvPr>
+          <p:cNvPicPr>
+            <a:picLocks noGrp="1" noChangeAspect="1"/>
+          </p:cNvPicPr>
+          <p:nvPr>
+            <p:ph idx="1"/>
+          </p:nvPr>
+        </p:nvPicPr>
+        <p:blipFill>
+          <a:blip r:embed="rId2">
+            <a:extLst>
+              <a:ext uri="{28A0092B-C50C-407E-A947-70E740481C1C}">
+                <a14:useLocalDpi xmlns:a14="http://schemas.microsoft.com/office/drawing/2010/main" val="0"/>
+              </a:ext>
+            </a:extLst>
+          </a:blip>
+          <a:stretch>
+            <a:fillRect/>
+          </a:stretch>
+        </p:blipFill>
+        <p:spPr>
+          <a:xfrm>
+            <a:off x="101478" y="101660"/>
+            <a:ext cx="5994521" cy="6679611"/>
+          </a:xfrm>
+        </p:spPr>
+      </p:pic>
+      <p:sp>
+        <p:nvSpPr>
+          <p:cNvPr id="7" name="Textfeld 6">
+            <a:extLst>
+              <a:ext uri="{FF2B5EF4-FFF2-40B4-BE49-F238E27FC236}">
+                <a16:creationId xmlns:a16="http://schemas.microsoft.com/office/drawing/2014/main" id="{C903822F-00A2-4495-A29C-EAB0CD23EFFE}"/>
+              </a:ext>
+            </a:extLst>
+          </p:cNvPr>
+          <p:cNvSpPr txBox="1"/>
+          <p:nvPr/>
+        </p:nvSpPr>
+        <p:spPr>
+          <a:xfrm>
+            <a:off x="6418273" y="896923"/>
+            <a:ext cx="5585411" cy="3970318"/>
+          </a:xfrm>
+          <a:prstGeom prst="rect">
+            <a:avLst/>
+          </a:prstGeom>
+          <a:noFill/>
+        </p:spPr>
+        <p:txBody>
+          <a:bodyPr wrap="square" rtlCol="0">
+            <a:spAutoFit/>
+          </a:bodyPr>
+          <a:lstStyle/>
+          <a:p>
+            <a:r>
+              <a:rPr lang="de-DE" sz="2800" dirty="0"/>
+              <a:t>Features:</a:t>
+            </a:r>
+          </a:p>
+          <a:p>
+            <a:pPr marL="342900" indent="-342900">
+              <a:buFont typeface="Arial" panose="020B0604020202020204" pitchFamily="34" charset="0"/>
+              <a:buChar char="•"/>
+            </a:pPr>
+            <a:endParaRPr lang="de-DE" sz="2800" dirty="0"/>
+          </a:p>
+          <a:p>
+            <a:pPr marL="342900" indent="-342900">
+              <a:buFont typeface="Arial" panose="020B0604020202020204" pitchFamily="34" charset="0"/>
+              <a:buChar char="•"/>
+            </a:pPr>
+            <a:r>
+              <a:rPr lang="de-DE" sz="2800" dirty="0"/>
+              <a:t>Figuren lassen sich mittels Drag and Drop bewegen</a:t>
+            </a:r>
+          </a:p>
+          <a:p>
+            <a:pPr marL="342900" indent="-342900">
+              <a:buFont typeface="Arial" panose="020B0604020202020204" pitchFamily="34" charset="0"/>
+              <a:buChar char="•"/>
+            </a:pPr>
+            <a:endParaRPr lang="de-DE" sz="2800" dirty="0"/>
+          </a:p>
+          <a:p>
+            <a:pPr marL="342900" indent="-342900">
+              <a:buFont typeface="Arial" panose="020B0604020202020204" pitchFamily="34" charset="0"/>
+              <a:buChar char="•"/>
+            </a:pPr>
+            <a:r>
+              <a:rPr lang="de-DE" sz="2800" dirty="0"/>
+              <a:t>Timer begrenzt Dauer des Zuges</a:t>
+            </a:r>
+          </a:p>
+          <a:p>
+            <a:pPr marL="342900" indent="-342900">
+              <a:buFont typeface="Arial" panose="020B0604020202020204" pitchFamily="34" charset="0"/>
+              <a:buChar char="•"/>
+            </a:pPr>
+            <a:endParaRPr lang="de-DE" sz="2800" dirty="0"/>
+          </a:p>
+          <a:p>
+            <a:pPr marL="342900" indent="-342900">
+              <a:buFont typeface="Arial" panose="020B0604020202020204" pitchFamily="34" charset="0"/>
+              <a:buChar char="•"/>
+            </a:pPr>
+            <a:r>
+              <a:rPr lang="de-DE" sz="2800" dirty="0"/>
+              <a:t>Spielbrett aus Sicht des jeweiligen Spielers</a:t>
+            </a:r>
+            <a:endParaRPr lang="de-DE" sz="2400" dirty="0"/>
+          </a:p>
+        </p:txBody>
+      </p:sp>
+    </p:spTree>
+    <p:extLst>
+      <p:ext uri="{BB962C8B-B14F-4D97-AF65-F5344CB8AC3E}">
+        <p14:creationId xmlns:p14="http://schemas.microsoft.com/office/powerpoint/2010/main" val="2399766873"/>
+      </p:ext>
+    </p:extLst>
+  </p:cSld>
+  <p:clrMapOvr>
+    <a:masterClrMapping/>
+  </p:clrMapOvr>
+</p:sld>
+</file>
+
+<file path=ppt/slides/slide8.xml><?xml version="1.0" encoding="utf-8"?>
+<p:sld xmlns:a="http://schemas.openxmlformats.org/drawingml/2006/main" xmlns:r="http://schemas.openxmlformats.org/officeDocument/2006/relationships" xmlns:p="http://schemas.openxmlformats.org/presentationml/2006/main">
+  <p:cSld>
+    <p:bg>
+      <p:bgPr>
+        <a:solidFill>
+          <a:schemeClr val="bg1"/>
+        </a:solidFill>
+        <a:effectLst/>
+      </p:bgPr>
+    </p:bg>
+    <p:spTree>
+      <p:nvGrpSpPr>
+        <p:cNvPr id="1" name=""/>
+        <p:cNvGrpSpPr/>
+        <p:nvPr/>
+      </p:nvGrpSpPr>
+      <p:grpSpPr>
+        <a:xfrm>
+          <a:off x="0" y="0"/>
+          <a:ext cx="0" cy="0"/>
+          <a:chOff x="0" y="0"/>
+          <a:chExt cx="0" cy="0"/>
+        </a:xfrm>
+      </p:grpSpPr>
+      <p:sp>
+        <p:nvSpPr>
+          <p:cNvPr id="2" name="Titel 1">
+            <a:extLst>
+              <a:ext uri="{FF2B5EF4-FFF2-40B4-BE49-F238E27FC236}">
+                <a16:creationId xmlns:a16="http://schemas.microsoft.com/office/drawing/2014/main" id="{90160214-6A26-4C54-AA51-26F69BC525EB}"/>
+              </a:ext>
+            </a:extLst>
+          </p:cNvPr>
+          <p:cNvSpPr>
+            <a:spLocks noGrp="1"/>
+          </p:cNvSpPr>
+          <p:nvPr>
+            <p:ph type="title"/>
+          </p:nvPr>
+        </p:nvSpPr>
+        <p:spPr/>
+        <p:txBody>
+          <a:bodyPr/>
+          <a:lstStyle/>
+          <a:p>
+            <a:r>
+              <a:rPr lang="de-DE" dirty="0"/>
+              <a:t>Spielbrett – String Repräsentierung</a:t>
+            </a:r>
+          </a:p>
+        </p:txBody>
+      </p:sp>
+      <p:sp>
+        <p:nvSpPr>
+          <p:cNvPr id="4" name="Textfeld 3">
+            <a:extLst>
+              <a:ext uri="{FF2B5EF4-FFF2-40B4-BE49-F238E27FC236}">
+                <a16:creationId xmlns:a16="http://schemas.microsoft.com/office/drawing/2014/main" id="{FEDE6A99-3871-46F8-A106-7B055D9F9502}"/>
+              </a:ext>
+            </a:extLst>
+          </p:cNvPr>
+          <p:cNvSpPr txBox="1"/>
+          <p:nvPr/>
+        </p:nvSpPr>
+        <p:spPr>
+          <a:xfrm>
+            <a:off x="259171" y="2929050"/>
+            <a:ext cx="11673657" cy="1754326"/>
+          </a:xfrm>
+          <a:prstGeom prst="rect">
+            <a:avLst/>
+          </a:prstGeom>
+          <a:noFill/>
+        </p:spPr>
+        <p:txBody>
+          <a:bodyPr wrap="square">
+            <a:spAutoFit/>
+          </a:bodyPr>
+          <a:lstStyle/>
+          <a:p>
+            <a:pPr marL="0" indent="0" algn="ctr">
+              <a:buNone/>
+            </a:pPr>
+            <a:r>
+              <a:rPr lang="de-DE" dirty="0"/>
+              <a:t>&lt;rook,black,0=A8&gt;&lt;knight,black,0=B8&gt;&lt;bishop,black,0=C8&gt;&lt;queen,black,0=D8&gt;&lt;king,black,0=E8&gt;&lt;bishop,black,0=F8&gt;</a:t>
+            </a:r>
+          </a:p>
+          <a:p>
+            <a:pPr marL="0" indent="0" algn="ctr">
+              <a:buNone/>
+            </a:pPr>
+            <a:r>
+              <a:rPr lang="de-DE" dirty="0"/>
+              <a:t>&lt;knight,black,0=G8&gt;&lt;rook,black,0=H8&gt;&lt;pawn,black,0=A7&gt;&lt;pawn,black,0=B7&gt;&lt;pawn,black,0=C7&gt;&lt;pawn,black,0=D7&gt;</a:t>
+            </a:r>
+          </a:p>
+          <a:p>
+            <a:pPr marL="0" indent="0" algn="ctr">
+              <a:buNone/>
+            </a:pPr>
+            <a:r>
+              <a:rPr lang="de-DE" dirty="0"/>
+              <a:t>&lt;pawn,black,0=E7&gt;&lt;pawn,black,0=F7&gt;&lt;pawn,black,0=G7&gt;&lt;pawn,black,0=H7&gt;&lt;rook,white,0=A1&gt;&lt;knight,white,0=B1&gt;</a:t>
+            </a:r>
+          </a:p>
+          <a:p>
+            <a:pPr marL="0" indent="0" algn="ctr">
+              <a:buNone/>
+            </a:pPr>
+            <a:r>
+              <a:rPr lang="de-DE" dirty="0"/>
+              <a:t>&lt;bishop,white,0=C1&gt;&lt;queen,white,0=D1&gt;&lt;king,white,0=E1&gt;&lt;bishop,white,0=F1&gt;&lt;knight,white,0=G1&gt;&lt;rook,white,0=H1&gt;</a:t>
+            </a:r>
+          </a:p>
+          <a:p>
+            <a:pPr marL="0" indent="0" algn="ctr">
+              <a:buNone/>
+            </a:pPr>
+            <a:r>
+              <a:rPr lang="de-DE" dirty="0"/>
+              <a:t>&lt;pawn,white,0=A2&gt;&lt;pawn,white,0=B2&gt;&lt;pawn,white,0=C2&gt;&lt;pawn,white,0=D2&gt;&lt;pawn,white,0=E2&gt;&lt;pawn,white,0=F3&gt;</a:t>
+            </a:r>
+          </a:p>
+          <a:p>
+            <a:pPr marL="0" indent="0" algn="ctr">
+              <a:buNone/>
+            </a:pPr>
+            <a:r>
+              <a:rPr lang="de-DE" dirty="0"/>
+              <a:t>&lt;pawn,white,0=G2&gt;&lt;pawn,white,0=H2&gt;</a:t>
+            </a:r>
+          </a:p>
+        </p:txBody>
+      </p:sp>
+      <p:sp>
+        <p:nvSpPr>
+          <p:cNvPr id="7" name="Inhaltsplatzhalter 6">
+            <a:extLst>
+              <a:ext uri="{FF2B5EF4-FFF2-40B4-BE49-F238E27FC236}">
+                <a16:creationId xmlns:a16="http://schemas.microsoft.com/office/drawing/2014/main" id="{85C77923-1CD8-497A-BE8B-F542AD6F6E05}"/>
+              </a:ext>
+            </a:extLst>
+          </p:cNvPr>
+          <p:cNvSpPr>
+            <a:spLocks noGrp="1"/>
+          </p:cNvSpPr>
+          <p:nvPr>
+            <p:ph idx="1"/>
+          </p:nvPr>
+        </p:nvSpPr>
+        <p:spPr>
+          <a:xfrm>
+            <a:off x="838200" y="2396392"/>
+            <a:ext cx="10515600" cy="533178"/>
+          </a:xfrm>
+        </p:spPr>
+        <p:txBody>
+          <a:bodyPr>
+            <a:normAutofit/>
+          </a:bodyPr>
+          <a:lstStyle/>
+          <a:p>
+            <a:pPr marL="0" indent="0">
+              <a:buNone/>
+            </a:pPr>
+            <a:r>
+              <a:rPr lang="de-DE" sz="2400" dirty="0"/>
+              <a:t>&lt;Gameboard =</a:t>
+            </a:r>
+          </a:p>
+        </p:txBody>
+      </p:sp>
+      <p:sp>
+        <p:nvSpPr>
+          <p:cNvPr id="9" name="Inhaltsplatzhalter 6">
+            <a:extLst>
+              <a:ext uri="{FF2B5EF4-FFF2-40B4-BE49-F238E27FC236}">
+                <a16:creationId xmlns:a16="http://schemas.microsoft.com/office/drawing/2014/main" id="{A992DCAB-838F-4452-9338-6045C441B42E}"/>
+              </a:ext>
+            </a:extLst>
+          </p:cNvPr>
+          <p:cNvSpPr txBox="1">
+            <a:spLocks/>
+          </p:cNvSpPr>
+          <p:nvPr/>
+        </p:nvSpPr>
+        <p:spPr>
+          <a:xfrm>
+            <a:off x="990600" y="4738698"/>
+            <a:ext cx="10515600" cy="533178"/>
+          </a:xfrm>
+          <a:prstGeom prst="rect">
+            <a:avLst/>
+          </a:prstGeom>
+        </p:spPr>
+        <p:txBody>
+          <a:bodyPr vert="horz" lIns="91440" tIns="45720" rIns="91440" bIns="45720" rtlCol="0">
+            <a:normAutofit/>
+          </a:bodyPr>
+          <a:lstStyle>
+            <a:lvl1pPr marL="228600" indent="-228600" algn="l" defTabSz="914400" rtl="0" eaLnBrk="1" latinLnBrk="0" hangingPunct="1">
+              <a:lnSpc>
+                <a:spcPct val="90000"/>
+              </a:lnSpc>
+              <a:spcBef>
+                <a:spcPts val="1000"/>
+              </a:spcBef>
+              <a:buFont typeface="Arial" panose="020B0604020202020204" pitchFamily="34" charset="0"/>
+              <a:buChar char="•"/>
+              <a:defRPr sz="2800" kern="1200">
+                <a:solidFill>
+                  <a:schemeClr val="tx1"/>
+                </a:solidFill>
+                <a:latin typeface="+mn-lt"/>
+                <a:ea typeface="+mn-ea"/>
+                <a:cs typeface="+mn-cs"/>
+              </a:defRPr>
+            </a:lvl1pPr>
+            <a:lvl2pPr marL="685800" indent="-228600" algn="l" defTabSz="914400" rtl="0" eaLnBrk="1" latinLnBrk="0" hangingPunct="1">
+              <a:lnSpc>
+                <a:spcPct val="90000"/>
+              </a:lnSpc>
+              <a:spcBef>
+                <a:spcPts val="500"/>
+              </a:spcBef>
+              <a:buFont typeface="Arial" panose="020B0604020202020204" pitchFamily="34" charset="0"/>
+              <a:buChar char="•"/>
+              <a:defRPr sz="2400" kern="1200">
+                <a:solidFill>
+                  <a:schemeClr val="tx1"/>
+                </a:solidFill>
+                <a:latin typeface="+mn-lt"/>
+                <a:ea typeface="+mn-ea"/>
+                <a:cs typeface="+mn-cs"/>
+              </a:defRPr>
+            </a:lvl2pPr>
+            <a:lvl3pPr marL="1143000" indent="-228600" algn="l" defTabSz="914400" rtl="0" eaLnBrk="1" latinLnBrk="0" hangingPunct="1">
+              <a:lnSpc>
+                <a:spcPct val="90000"/>
+              </a:lnSpc>
+              <a:spcBef>
+                <a:spcPts val="500"/>
+              </a:spcBef>
+              <a:buFont typeface="Arial" panose="020B0604020202020204" pitchFamily="34" charset="0"/>
+              <a:buChar char="•"/>
+              <a:defRPr sz="2000" kern="1200">
+                <a:solidFill>
+                  <a:schemeClr val="tx1"/>
+                </a:solidFill>
+                <a:latin typeface="+mn-lt"/>
+                <a:ea typeface="+mn-ea"/>
+                <a:cs typeface="+mn-cs"/>
+              </a:defRPr>
+            </a:lvl3pPr>
+            <a:lvl4pPr marL="1600200" indent="-228600" algn="l" defTabSz="914400" rtl="0" eaLnBrk="1" latinLnBrk="0" hangingPunct="1">
+              <a:lnSpc>
+                <a:spcPct val="90000"/>
+              </a:lnSpc>
+              <a:spcBef>
+                <a:spcPts val="500"/>
+              </a:spcBef>
+              <a:buFont typeface="Arial" panose="020B0604020202020204" pitchFamily="34" charset="0"/>
+              <a:buChar char="•"/>
+              <a:defRPr sz="1800" kern="1200">
+                <a:solidFill>
+                  <a:schemeClr val="tx1"/>
+                </a:solidFill>
+                <a:latin typeface="+mn-lt"/>
+                <a:ea typeface="+mn-ea"/>
+                <a:cs typeface="+mn-cs"/>
+              </a:defRPr>
+            </a:lvl4pPr>
+            <a:lvl5pPr marL="2057400" indent="-228600" algn="l" defTabSz="914400" rtl="0" eaLnBrk="1" latinLnBrk="0" hangingPunct="1">
+              <a:lnSpc>
+                <a:spcPct val="90000"/>
+              </a:lnSpc>
+              <a:spcBef>
+                <a:spcPts val="500"/>
+              </a:spcBef>
+              <a:buFont typeface="Arial" panose="020B0604020202020204" pitchFamily="34" charset="0"/>
+              <a:buChar char="•"/>
+              <a:defRPr sz="1800" kern="1200">
+                <a:solidFill>
+                  <a:schemeClr val="tx1"/>
+                </a:solidFill>
+                <a:latin typeface="+mn-lt"/>
+                <a:ea typeface="+mn-ea"/>
+                <a:cs typeface="+mn-cs"/>
+              </a:defRPr>
+            </a:lvl5pPr>
+            <a:lvl6pPr marL="2514600" indent="-228600" algn="l" defTabSz="914400" rtl="0" eaLnBrk="1" latinLnBrk="0" hangingPunct="1">
+              <a:lnSpc>
+                <a:spcPct val="90000"/>
+              </a:lnSpc>
+              <a:spcBef>
+                <a:spcPts val="500"/>
+              </a:spcBef>
+              <a:buFont typeface="Arial" panose="020B0604020202020204" pitchFamily="34" charset="0"/>
+              <a:buChar char="•"/>
+              <a:defRPr sz="1800" kern="1200">
+                <a:solidFill>
+                  <a:schemeClr val="tx1"/>
+                </a:solidFill>
+                <a:latin typeface="+mn-lt"/>
+                <a:ea typeface="+mn-ea"/>
+                <a:cs typeface="+mn-cs"/>
+              </a:defRPr>
+            </a:lvl6pPr>
+            <a:lvl7pPr marL="2971800" indent="-228600" algn="l" defTabSz="914400" rtl="0" eaLnBrk="1" latinLnBrk="0" hangingPunct="1">
+              <a:lnSpc>
+                <a:spcPct val="90000"/>
+              </a:lnSpc>
+              <a:spcBef>
+                <a:spcPts val="500"/>
+              </a:spcBef>
+              <a:buFont typeface="Arial" panose="020B0604020202020204" pitchFamily="34" charset="0"/>
+              <a:buChar char="•"/>
+              <a:defRPr sz="1800" kern="1200">
+                <a:solidFill>
+                  <a:schemeClr val="tx1"/>
+                </a:solidFill>
+                <a:latin typeface="+mn-lt"/>
+                <a:ea typeface="+mn-ea"/>
+                <a:cs typeface="+mn-cs"/>
+              </a:defRPr>
+            </a:lvl7pPr>
+            <a:lvl8pPr marL="3429000" indent="-228600" algn="l" defTabSz="914400" rtl="0" eaLnBrk="1" latinLnBrk="0" hangingPunct="1">
+              <a:lnSpc>
+                <a:spcPct val="90000"/>
+              </a:lnSpc>
+              <a:spcBef>
+                <a:spcPts val="500"/>
+              </a:spcBef>
+              <a:buFont typeface="Arial" panose="020B0604020202020204" pitchFamily="34" charset="0"/>
+              <a:buChar char="•"/>
+              <a:defRPr sz="1800" kern="1200">
+                <a:solidFill>
+                  <a:schemeClr val="tx1"/>
+                </a:solidFill>
+                <a:latin typeface="+mn-lt"/>
+                <a:ea typeface="+mn-ea"/>
+                <a:cs typeface="+mn-cs"/>
+              </a:defRPr>
+            </a:lvl8pPr>
+            <a:lvl9pPr marL="3886200" indent="-228600" algn="l" defTabSz="914400" rtl="0" eaLnBrk="1" latinLnBrk="0" hangingPunct="1">
+              <a:lnSpc>
+                <a:spcPct val="90000"/>
+              </a:lnSpc>
+              <a:spcBef>
+                <a:spcPts val="500"/>
+              </a:spcBef>
+              <a:buFont typeface="Arial" panose="020B0604020202020204" pitchFamily="34" charset="0"/>
+              <a:buChar char="•"/>
+              <a:defRPr sz="1800" kern="1200">
+                <a:solidFill>
+                  <a:schemeClr val="tx1"/>
+                </a:solidFill>
+                <a:latin typeface="+mn-lt"/>
+                <a:ea typeface="+mn-ea"/>
+                <a:cs typeface="+mn-cs"/>
+              </a:defRPr>
+            </a:lvl9pPr>
+          </a:lstStyle>
+          <a:p>
+            <a:pPr marL="0" indent="0" algn="r">
+              <a:buFont typeface="Arial" panose="020B0604020202020204" pitchFamily="34" charset="0"/>
+              <a:buNone/>
+            </a:pPr>
+            <a:r>
+              <a:rPr lang="de-DE" sz="2400" dirty="0"/>
+              <a:t>&gt;</a:t>
+            </a:r>
+            <a:endParaRPr lang="de-DE" dirty="0"/>
+          </a:p>
+        </p:txBody>
+      </p:sp>
+    </p:spTree>
+    <p:extLst>
+      <p:ext uri="{BB962C8B-B14F-4D97-AF65-F5344CB8AC3E}">
+        <p14:creationId xmlns:p14="http://schemas.microsoft.com/office/powerpoint/2010/main" val="830134916"/>
+      </p:ext>
+    </p:extLst>
+  </p:cSld>
+  <p:clrMapOvr>
+    <a:masterClrMapping/>
+  </p:clrMapOvr>
+</p:sld>
+</file>
+
+<file path=ppt/slides/slide9.xml><?xml version="1.0" encoding="utf-8"?>
+<p:sld xmlns:a="http://schemas.openxmlformats.org/drawingml/2006/main" xmlns:r="http://schemas.openxmlformats.org/officeDocument/2006/relationships" xmlns:p="http://schemas.openxmlformats.org/presentationml/2006/main">
+  <p:cSld>
+    <p:bg>
+      <p:bgPr>
+        <a:solidFill>
+          <a:schemeClr val="bg1"/>
+        </a:solidFill>
+        <a:effectLst/>
+      </p:bgPr>
+    </p:bg>
+    <p:spTree>
+      <p:nvGrpSpPr>
+        <p:cNvPr id="1" name=""/>
+        <p:cNvGrpSpPr/>
+        <p:nvPr/>
+      </p:nvGrpSpPr>
+      <p:grpSpPr>
+        <a:xfrm>
+          <a:off x="0" y="0"/>
+          <a:ext cx="0" cy="0"/>
+          <a:chOff x="0" y="0"/>
+          <a:chExt cx="0" cy="0"/>
+        </a:xfrm>
+      </p:grpSpPr>
+      <p:pic>
+        <p:nvPicPr>
+          <p:cNvPr id="7" name="Grafik 6">
+            <a:extLst>
+              <a:ext uri="{FF2B5EF4-FFF2-40B4-BE49-F238E27FC236}">
+                <a16:creationId xmlns:a16="http://schemas.microsoft.com/office/drawing/2014/main" id="{058EF160-ABF0-4AFB-AD0E-29D577FC1C6D}"/>
+              </a:ext>
+            </a:extLst>
+          </p:cNvPr>
+          <p:cNvPicPr>
+            <a:picLocks noChangeAspect="1"/>
+          </p:cNvPicPr>
+          <p:nvPr/>
+        </p:nvPicPr>
+        <p:blipFill>
+          <a:blip r:embed="rId2">
+            <a:extLst>
+              <a:ext uri="{28A0092B-C50C-407E-A947-70E740481C1C}">
+                <a14:useLocalDpi xmlns:a14="http://schemas.microsoft.com/office/drawing/2010/main" val="0"/>
+              </a:ext>
+            </a:extLst>
+          </a:blip>
+          <a:stretch>
+            <a:fillRect/>
+          </a:stretch>
+        </p:blipFill>
+        <p:spPr>
+          <a:xfrm>
+            <a:off x="410680" y="226564"/>
+            <a:ext cx="5358040" cy="5970389"/>
+          </a:xfrm>
+          <a:prstGeom prst="rect">
+            <a:avLst/>
+          </a:prstGeom>
+        </p:spPr>
+      </p:pic>
+      <p:pic>
+        <p:nvPicPr>
+          <p:cNvPr id="9" name="Grafik 8">
+            <a:extLst>
+              <a:ext uri="{FF2B5EF4-FFF2-40B4-BE49-F238E27FC236}">
+                <a16:creationId xmlns:a16="http://schemas.microsoft.com/office/drawing/2014/main" id="{6F7EF450-E2AE-496D-A971-77BE515EE4D5}"/>
+              </a:ext>
+            </a:extLst>
+          </p:cNvPr>
+          <p:cNvPicPr>
+            <a:picLocks noChangeAspect="1"/>
+          </p:cNvPicPr>
+          <p:nvPr/>
+        </p:nvPicPr>
+        <p:blipFill>
+          <a:blip r:embed="rId3">
+            <a:extLst>
+              <a:ext uri="{28A0092B-C50C-407E-A947-70E740481C1C}">
+                <a14:useLocalDpi xmlns:a14="http://schemas.microsoft.com/office/drawing/2010/main" val="0"/>
+              </a:ext>
+            </a:extLst>
+          </a:blip>
+          <a:stretch>
+            <a:fillRect/>
+          </a:stretch>
+        </p:blipFill>
+        <p:spPr>
+          <a:xfrm>
+            <a:off x="6446873" y="232387"/>
+            <a:ext cx="5408411" cy="5964566"/>
+          </a:xfrm>
+          <a:prstGeom prst="rect">
+            <a:avLst/>
+          </a:prstGeom>
+        </p:spPr>
+      </p:pic>
+      <p:sp>
+        <p:nvSpPr>
+          <p:cNvPr id="11" name="Textfeld 10">
+            <a:extLst>
+              <a:ext uri="{FF2B5EF4-FFF2-40B4-BE49-F238E27FC236}">
+                <a16:creationId xmlns:a16="http://schemas.microsoft.com/office/drawing/2014/main" id="{34AC6341-BA8D-4EC7-A20C-E98E041C46A9}"/>
+              </a:ext>
+            </a:extLst>
+          </p:cNvPr>
+          <p:cNvSpPr txBox="1"/>
+          <p:nvPr/>
+        </p:nvSpPr>
+        <p:spPr>
+          <a:xfrm>
+            <a:off x="6446873" y="6284316"/>
+            <a:ext cx="5358040" cy="461665"/>
+          </a:xfrm>
+          <a:prstGeom prst="rect">
+            <a:avLst/>
+          </a:prstGeom>
+          <a:noFill/>
+        </p:spPr>
+        <p:txBody>
+          <a:bodyPr wrap="square" rtlCol="0">
+            <a:spAutoFit/>
+          </a:bodyPr>
+          <a:lstStyle/>
+          <a:p>
+            <a:pPr algn="ctr"/>
+            <a:r>
+              <a:rPr lang="de-DE" sz="2400" dirty="0"/>
+              <a:t>aus Sicht von schwarz</a:t>
+            </a:r>
+          </a:p>
+        </p:txBody>
+      </p:sp>
+      <p:sp>
+        <p:nvSpPr>
+          <p:cNvPr id="12" name="Textfeld 11">
+            <a:extLst>
+              <a:ext uri="{FF2B5EF4-FFF2-40B4-BE49-F238E27FC236}">
+                <a16:creationId xmlns:a16="http://schemas.microsoft.com/office/drawing/2014/main" id="{1016571C-A165-4579-8D61-BB3CC5D02FCE}"/>
+              </a:ext>
+            </a:extLst>
+          </p:cNvPr>
+          <p:cNvSpPr txBox="1"/>
+          <p:nvPr/>
+        </p:nvSpPr>
+        <p:spPr>
+          <a:xfrm>
+            <a:off x="410680" y="6284316"/>
+            <a:ext cx="5358040" cy="461665"/>
+          </a:xfrm>
+          <a:prstGeom prst="rect">
+            <a:avLst/>
+          </a:prstGeom>
+          <a:noFill/>
+        </p:spPr>
+        <p:txBody>
+          <a:bodyPr wrap="square" rtlCol="0">
+            <a:spAutoFit/>
+          </a:bodyPr>
+          <a:lstStyle/>
+          <a:p>
+            <a:pPr algn="ctr"/>
+            <a:r>
+              <a:rPr lang="de-DE" sz="2400" dirty="0"/>
+              <a:t>aus Sicht von weiß</a:t>
+            </a:r>
+          </a:p>
+        </p:txBody>
+      </p:sp>
+    </p:spTree>
+    <p:extLst>
+      <p:ext uri="{BB962C8B-B14F-4D97-AF65-F5344CB8AC3E}">
+        <p14:creationId xmlns:p14="http://schemas.microsoft.com/office/powerpoint/2010/main" val="2137210091"/>
       </p:ext>
     </p:extLst>
   </p:cSld>

--- a/Präsentation/Präsentation.pptx
+++ b/Präsentation/Präsentation.pptx
@@ -5,7 +5,7 @@
     <p:sldMasterId id="2147483648" r:id="rId1"/>
   </p:sldMasterIdLst>
   <p:notesMasterIdLst>
-    <p:notesMasterId r:id="rId21"/>
+    <p:notesMasterId r:id="rId20"/>
   </p:notesMasterIdLst>
   <p:sldIdLst>
     <p:sldId id="260" r:id="rId2"/>
@@ -13,20 +13,19 @@
     <p:sldId id="257" r:id="rId4"/>
     <p:sldId id="259" r:id="rId5"/>
     <p:sldId id="258" r:id="rId6"/>
-    <p:sldId id="262" r:id="rId7"/>
-    <p:sldId id="267" r:id="rId8"/>
-    <p:sldId id="263" r:id="rId9"/>
-    <p:sldId id="265" r:id="rId10"/>
-    <p:sldId id="264" r:id="rId11"/>
-    <p:sldId id="266" r:id="rId12"/>
-    <p:sldId id="268" r:id="rId13"/>
-    <p:sldId id="269" r:id="rId14"/>
-    <p:sldId id="270" r:id="rId15"/>
-    <p:sldId id="271" r:id="rId16"/>
-    <p:sldId id="272" r:id="rId17"/>
-    <p:sldId id="273" r:id="rId18"/>
-    <p:sldId id="274" r:id="rId19"/>
-    <p:sldId id="275" r:id="rId20"/>
+    <p:sldId id="276" r:id="rId7"/>
+    <p:sldId id="277" r:id="rId8"/>
+    <p:sldId id="278" r:id="rId9"/>
+    <p:sldId id="279" r:id="rId10"/>
+    <p:sldId id="280" r:id="rId11"/>
+    <p:sldId id="268" r:id="rId12"/>
+    <p:sldId id="269" r:id="rId13"/>
+    <p:sldId id="270" r:id="rId14"/>
+    <p:sldId id="271" r:id="rId15"/>
+    <p:sldId id="272" r:id="rId16"/>
+    <p:sldId id="273" r:id="rId17"/>
+    <p:sldId id="274" r:id="rId18"/>
+    <p:sldId id="275" r:id="rId19"/>
   </p:sldIdLst>
   <p:sldSz cx="12192000" cy="6858000"/>
   <p:notesSz cx="6858000" cy="9144000"/>
@@ -3948,7 +3947,7 @@
           <a:p>
             <a:fld id="{FB150D1D-FD61-4252-BAF9-1AD763DA3678}" type="datetimeFigureOut">
               <a:rPr lang="de-DE" smtClean="0"/>
-              <a:t>31.01.2021</a:t>
+              <a:t>13.02.2021</a:t>
             </a:fld>
             <a:endParaRPr lang="de-DE"/>
           </a:p>
@@ -4266,7 +4265,7 @@
             <a:fld id="{A7DE8ABA-A709-44C9-9594-1230CA03C15A}" type="slidenum">
               <a:rPr lang="de-AT" altLang="de-DE"/>
               <a:pPr/>
-              <a:t>12</a:t>
+              <a:t>11</a:t>
             </a:fld>
             <a:endParaRPr lang="de-AT" altLang="de-DE"/>
           </a:p>
@@ -4282,7 +4281,7 @@
             </a:extLst>
           </p:cNvPr>
           <p:cNvSpPr txBox="1">
-            <a:spLocks noChangeArrowheads="1"/>
+            <a:spLocks noGrp="1" noRot="1" noChangeAspect="1" noChangeArrowheads="1"/>
           </p:cNvSpPr>
           <p:nvPr>
             <p:ph type="sldImg"/>
@@ -4330,7 +4329,7 @@
             </a:extLst>
           </p:cNvPr>
           <p:cNvSpPr txBox="1">
-            <a:spLocks noChangeArrowheads="1"/>
+            <a:spLocks noGrp="1" noChangeArrowheads="1"/>
           </p:cNvSpPr>
           <p:nvPr>
             <p:ph type="body" idx="1"/>
@@ -4442,7 +4441,7 @@
             <a:fld id="{2A1B3DA0-313B-4A5B-A48D-60F565512015}" type="slidenum">
               <a:rPr lang="de-AT" altLang="de-DE"/>
               <a:pPr/>
-              <a:t>13</a:t>
+              <a:t>12</a:t>
             </a:fld>
             <a:endParaRPr lang="de-AT" altLang="de-DE"/>
           </a:p>
@@ -4458,7 +4457,7 @@
             </a:extLst>
           </p:cNvPr>
           <p:cNvSpPr txBox="1">
-            <a:spLocks noChangeArrowheads="1"/>
+            <a:spLocks noGrp="1" noRot="1" noChangeAspect="1" noChangeArrowheads="1"/>
           </p:cNvSpPr>
           <p:nvPr>
             <p:ph type="sldImg"/>
@@ -4506,7 +4505,7 @@
             </a:extLst>
           </p:cNvPr>
           <p:cNvSpPr txBox="1">
-            <a:spLocks noChangeArrowheads="1"/>
+            <a:spLocks noGrp="1" noChangeArrowheads="1"/>
           </p:cNvSpPr>
           <p:nvPr>
             <p:ph type="body" idx="1"/>
@@ -4618,7 +4617,7 @@
             <a:fld id="{1535E68C-B767-46EB-89FA-A281F5A02CB2}" type="slidenum">
               <a:rPr lang="de-AT" altLang="de-DE"/>
               <a:pPr/>
-              <a:t>14</a:t>
+              <a:t>13</a:t>
             </a:fld>
             <a:endParaRPr lang="de-AT" altLang="de-DE"/>
           </a:p>
@@ -4634,7 +4633,7 @@
             </a:extLst>
           </p:cNvPr>
           <p:cNvSpPr txBox="1">
-            <a:spLocks noChangeArrowheads="1"/>
+            <a:spLocks noGrp="1" noRot="1" noChangeAspect="1" noChangeArrowheads="1"/>
           </p:cNvSpPr>
           <p:nvPr>
             <p:ph type="sldImg"/>
@@ -4682,7 +4681,7 @@
             </a:extLst>
           </p:cNvPr>
           <p:cNvSpPr txBox="1">
-            <a:spLocks noChangeArrowheads="1"/>
+            <a:spLocks noGrp="1" noChangeArrowheads="1"/>
           </p:cNvSpPr>
           <p:nvPr>
             <p:ph type="body" idx="1"/>
@@ -4794,7 +4793,7 @@
             <a:fld id="{33235066-F59F-4FA5-ACA2-EE248CC827FB}" type="slidenum">
               <a:rPr lang="de-AT" altLang="de-DE"/>
               <a:pPr/>
-              <a:t>15</a:t>
+              <a:t>14</a:t>
             </a:fld>
             <a:endParaRPr lang="de-AT" altLang="de-DE"/>
           </a:p>
@@ -4810,7 +4809,7 @@
             </a:extLst>
           </p:cNvPr>
           <p:cNvSpPr txBox="1">
-            <a:spLocks noChangeArrowheads="1"/>
+            <a:spLocks noGrp="1" noRot="1" noChangeAspect="1" noChangeArrowheads="1"/>
           </p:cNvSpPr>
           <p:nvPr>
             <p:ph type="sldImg"/>
@@ -4858,7 +4857,7 @@
             </a:extLst>
           </p:cNvPr>
           <p:cNvSpPr txBox="1">
-            <a:spLocks noChangeArrowheads="1"/>
+            <a:spLocks noGrp="1" noChangeArrowheads="1"/>
           </p:cNvSpPr>
           <p:nvPr>
             <p:ph type="body" idx="1"/>
@@ -4970,7 +4969,7 @@
             <a:fld id="{7A2A02C6-F59C-400F-9F5B-AAFB58363C56}" type="slidenum">
               <a:rPr lang="de-AT" altLang="de-DE"/>
               <a:pPr/>
-              <a:t>16</a:t>
+              <a:t>15</a:t>
             </a:fld>
             <a:endParaRPr lang="de-AT" altLang="de-DE"/>
           </a:p>
@@ -4986,7 +4985,7 @@
             </a:extLst>
           </p:cNvPr>
           <p:cNvSpPr txBox="1">
-            <a:spLocks noChangeArrowheads="1"/>
+            <a:spLocks noGrp="1" noRot="1" noChangeAspect="1" noChangeArrowheads="1"/>
           </p:cNvSpPr>
           <p:nvPr>
             <p:ph type="sldImg"/>
@@ -5034,7 +5033,7 @@
             </a:extLst>
           </p:cNvPr>
           <p:cNvSpPr txBox="1">
-            <a:spLocks noChangeArrowheads="1"/>
+            <a:spLocks noGrp="1" noChangeArrowheads="1"/>
           </p:cNvSpPr>
           <p:nvPr>
             <p:ph type="body" idx="1"/>
@@ -5146,7 +5145,7 @@
             <a:fld id="{8B735A31-8357-48D8-8F34-7DE23EE77496}" type="slidenum">
               <a:rPr lang="de-AT" altLang="de-DE"/>
               <a:pPr/>
-              <a:t>17</a:t>
+              <a:t>16</a:t>
             </a:fld>
             <a:endParaRPr lang="de-AT" altLang="de-DE"/>
           </a:p>
@@ -5162,7 +5161,7 @@
             </a:extLst>
           </p:cNvPr>
           <p:cNvSpPr txBox="1">
-            <a:spLocks noChangeArrowheads="1"/>
+            <a:spLocks noGrp="1" noRot="1" noChangeAspect="1" noChangeArrowheads="1"/>
           </p:cNvSpPr>
           <p:nvPr>
             <p:ph type="sldImg"/>
@@ -5210,7 +5209,7 @@
             </a:extLst>
           </p:cNvPr>
           <p:cNvSpPr txBox="1">
-            <a:spLocks noChangeArrowheads="1"/>
+            <a:spLocks noGrp="1" noChangeArrowheads="1"/>
           </p:cNvSpPr>
           <p:nvPr>
             <p:ph type="body" idx="1"/>
@@ -5322,7 +5321,7 @@
             <a:fld id="{8DAE8970-E25A-47FC-8435-8A21F7F465A5}" type="slidenum">
               <a:rPr lang="de-AT" altLang="de-DE"/>
               <a:pPr/>
-              <a:t>18</a:t>
+              <a:t>17</a:t>
             </a:fld>
             <a:endParaRPr lang="de-AT" altLang="de-DE"/>
           </a:p>
@@ -5338,7 +5337,7 @@
             </a:extLst>
           </p:cNvPr>
           <p:cNvSpPr txBox="1">
-            <a:spLocks noChangeArrowheads="1"/>
+            <a:spLocks noGrp="1" noRot="1" noChangeAspect="1" noChangeArrowheads="1"/>
           </p:cNvSpPr>
           <p:nvPr>
             <p:ph type="sldImg"/>
@@ -5386,7 +5385,7 @@
             </a:extLst>
           </p:cNvPr>
           <p:cNvSpPr txBox="1">
-            <a:spLocks noChangeArrowheads="1"/>
+            <a:spLocks noGrp="1" noChangeArrowheads="1"/>
           </p:cNvSpPr>
           <p:nvPr>
             <p:ph type="body" idx="1"/>
@@ -5498,7 +5497,7 @@
             <a:fld id="{50D2B111-C3E8-4ECC-A2FE-C6D880D1314D}" type="slidenum">
               <a:rPr lang="de-AT" altLang="de-DE"/>
               <a:pPr/>
-              <a:t>19</a:t>
+              <a:t>18</a:t>
             </a:fld>
             <a:endParaRPr lang="de-AT" altLang="de-DE"/>
           </a:p>
@@ -5514,7 +5513,7 @@
             </a:extLst>
           </p:cNvPr>
           <p:cNvSpPr txBox="1">
-            <a:spLocks noChangeArrowheads="1"/>
+            <a:spLocks noGrp="1" noRot="1" noChangeAspect="1" noChangeArrowheads="1"/>
           </p:cNvSpPr>
           <p:nvPr>
             <p:ph type="sldImg"/>
@@ -5562,7 +5561,7 @@
             </a:extLst>
           </p:cNvPr>
           <p:cNvSpPr txBox="1">
-            <a:spLocks noChangeArrowheads="1"/>
+            <a:spLocks noGrp="1" noChangeArrowheads="1"/>
           </p:cNvSpPr>
           <p:nvPr>
             <p:ph type="body" idx="1"/>
@@ -5770,7 +5769,7 @@
           <a:p>
             <a:fld id="{8FFAF4F2-3E70-4B74-A1DA-1E58D98C29D5}" type="datetimeFigureOut">
               <a:rPr lang="de-DE" smtClean="0"/>
-              <a:t>31.01.2021</a:t>
+              <a:t>13.02.2021</a:t>
             </a:fld>
             <a:endParaRPr lang="de-DE"/>
           </a:p>
@@ -5968,7 +5967,7 @@
           <a:p>
             <a:fld id="{8FFAF4F2-3E70-4B74-A1DA-1E58D98C29D5}" type="datetimeFigureOut">
               <a:rPr lang="de-DE" smtClean="0"/>
-              <a:t>31.01.2021</a:t>
+              <a:t>13.02.2021</a:t>
             </a:fld>
             <a:endParaRPr lang="de-DE"/>
           </a:p>
@@ -6176,7 +6175,7 @@
           <a:p>
             <a:fld id="{8FFAF4F2-3E70-4B74-A1DA-1E58D98C29D5}" type="datetimeFigureOut">
               <a:rPr lang="de-DE" smtClean="0"/>
-              <a:t>31.01.2021</a:t>
+              <a:t>13.02.2021</a:t>
             </a:fld>
             <a:endParaRPr lang="de-DE"/>
           </a:p>
@@ -6374,7 +6373,7 @@
           <a:p>
             <a:fld id="{8FFAF4F2-3E70-4B74-A1DA-1E58D98C29D5}" type="datetimeFigureOut">
               <a:rPr lang="de-DE" smtClean="0"/>
-              <a:t>31.01.2021</a:t>
+              <a:t>13.02.2021</a:t>
             </a:fld>
             <a:endParaRPr lang="de-DE"/>
           </a:p>
@@ -6649,7 +6648,7 @@
           <a:p>
             <a:fld id="{8FFAF4F2-3E70-4B74-A1DA-1E58D98C29D5}" type="datetimeFigureOut">
               <a:rPr lang="de-DE" smtClean="0"/>
-              <a:t>31.01.2021</a:t>
+              <a:t>13.02.2021</a:t>
             </a:fld>
             <a:endParaRPr lang="de-DE"/>
           </a:p>
@@ -6914,7 +6913,7 @@
           <a:p>
             <a:fld id="{8FFAF4F2-3E70-4B74-A1DA-1E58D98C29D5}" type="datetimeFigureOut">
               <a:rPr lang="de-DE" smtClean="0"/>
-              <a:t>31.01.2021</a:t>
+              <a:t>13.02.2021</a:t>
             </a:fld>
             <a:endParaRPr lang="de-DE"/>
           </a:p>
@@ -7326,7 +7325,7 @@
           <a:p>
             <a:fld id="{8FFAF4F2-3E70-4B74-A1DA-1E58D98C29D5}" type="datetimeFigureOut">
               <a:rPr lang="de-DE" smtClean="0"/>
-              <a:t>31.01.2021</a:t>
+              <a:t>13.02.2021</a:t>
             </a:fld>
             <a:endParaRPr lang="de-DE"/>
           </a:p>
@@ -7467,7 +7466,7 @@
           <a:p>
             <a:fld id="{8FFAF4F2-3E70-4B74-A1DA-1E58D98C29D5}" type="datetimeFigureOut">
               <a:rPr lang="de-DE" smtClean="0"/>
-              <a:t>31.01.2021</a:t>
+              <a:t>13.02.2021</a:t>
             </a:fld>
             <a:endParaRPr lang="de-DE"/>
           </a:p>
@@ -7580,7 +7579,7 @@
           <a:p>
             <a:fld id="{8FFAF4F2-3E70-4B74-A1DA-1E58D98C29D5}" type="datetimeFigureOut">
               <a:rPr lang="de-DE" smtClean="0"/>
-              <a:t>31.01.2021</a:t>
+              <a:t>13.02.2021</a:t>
             </a:fld>
             <a:endParaRPr lang="de-DE"/>
           </a:p>
@@ -7891,7 +7890,7 @@
           <a:p>
             <a:fld id="{8FFAF4F2-3E70-4B74-A1DA-1E58D98C29D5}" type="datetimeFigureOut">
               <a:rPr lang="de-DE" smtClean="0"/>
-              <a:t>31.01.2021</a:t>
+              <a:t>13.02.2021</a:t>
             </a:fld>
             <a:endParaRPr lang="de-DE"/>
           </a:p>
@@ -8179,7 +8178,7 @@
           <a:p>
             <a:fld id="{8FFAF4F2-3E70-4B74-A1DA-1E58D98C29D5}" type="datetimeFigureOut">
               <a:rPr lang="de-DE" smtClean="0"/>
-              <a:t>31.01.2021</a:t>
+              <a:t>13.02.2021</a:t>
             </a:fld>
             <a:endParaRPr lang="de-DE"/>
           </a:p>
@@ -8435,7 +8434,7 @@
           <a:p>
             <a:fld id="{8FFAF4F2-3E70-4B74-A1DA-1E58D98C29D5}" type="datetimeFigureOut">
               <a:rPr lang="de-DE" smtClean="0"/>
-              <a:t>31.01.2021</a:t>
+              <a:t>13.02.2021</a:t>
             </a:fld>
             <a:endParaRPr lang="de-DE"/>
           </a:p>
@@ -9244,188 +9243,6 @@
 <file path=ppt/slides/slide10.xml><?xml version="1.0" encoding="utf-8"?>
 <p:sld xmlns:a="http://schemas.openxmlformats.org/drawingml/2006/main" xmlns:r="http://schemas.openxmlformats.org/officeDocument/2006/relationships" xmlns:p="http://schemas.openxmlformats.org/presentationml/2006/main">
   <p:cSld>
-    <p:bg>
-      <p:bgPr>
-        <a:solidFill>
-          <a:schemeClr val="bg1"/>
-        </a:solidFill>
-        <a:effectLst/>
-      </p:bgPr>
-    </p:bg>
-    <p:spTree>
-      <p:nvGrpSpPr>
-        <p:cNvPr id="1" name=""/>
-        <p:cNvGrpSpPr/>
-        <p:nvPr/>
-      </p:nvGrpSpPr>
-      <p:grpSpPr>
-        <a:xfrm>
-          <a:off x="0" y="0"/>
-          <a:ext cx="0" cy="0"/>
-          <a:chOff x="0" y="0"/>
-          <a:chExt cx="0" cy="0"/>
-        </a:xfrm>
-      </p:grpSpPr>
-      <p:sp>
-        <p:nvSpPr>
-          <p:cNvPr id="2" name="Titel 1">
-            <a:extLst>
-              <a:ext uri="{FF2B5EF4-FFF2-40B4-BE49-F238E27FC236}">
-                <a16:creationId xmlns:a16="http://schemas.microsoft.com/office/drawing/2014/main" id="{761FBD43-029F-4194-BB10-8000CEA1A382}"/>
-              </a:ext>
-            </a:extLst>
-          </p:cNvPr>
-          <p:cNvSpPr>
-            <a:spLocks noGrp="1"/>
-          </p:cNvSpPr>
-          <p:nvPr>
-            <p:ph type="title"/>
-          </p:nvPr>
-        </p:nvSpPr>
-        <p:spPr/>
-        <p:txBody>
-          <a:bodyPr/>
-          <a:lstStyle/>
-          <a:p>
-            <a:r>
-              <a:rPr lang="de-DE" dirty="0"/>
-              <a:t>Spielbrett – String Repräsentierung</a:t>
-            </a:r>
-          </a:p>
-        </p:txBody>
-      </p:sp>
-      <p:sp>
-        <p:nvSpPr>
-          <p:cNvPr id="3" name="Inhaltsplatzhalter 2">
-            <a:extLst>
-              <a:ext uri="{FF2B5EF4-FFF2-40B4-BE49-F238E27FC236}">
-                <a16:creationId xmlns:a16="http://schemas.microsoft.com/office/drawing/2014/main" id="{727F2DAE-AA73-4638-8BC3-742DF5B5E668}"/>
-              </a:ext>
-            </a:extLst>
-          </p:cNvPr>
-          <p:cNvSpPr>
-            <a:spLocks noGrp="1"/>
-          </p:cNvSpPr>
-          <p:nvPr>
-            <p:ph idx="1"/>
-          </p:nvPr>
-        </p:nvSpPr>
-        <p:spPr>
-          <a:xfrm>
-            <a:off x="838200" y="1825624"/>
-            <a:ext cx="10515600" cy="4667251"/>
-          </a:xfrm>
-        </p:spPr>
-        <p:txBody>
-          <a:bodyPr/>
-          <a:lstStyle/>
-          <a:p>
-            <a:r>
-              <a:rPr lang="de-DE" dirty="0"/>
-              <a:t>String enthält immer alle 32 Spielfiguren</a:t>
-            </a:r>
-          </a:p>
-          <a:p>
-            <a:r>
-              <a:rPr lang="de-DE" dirty="0"/>
-              <a:t>Jede Figur hat einen fixen Index</a:t>
-            </a:r>
-          </a:p>
-          <a:p>
-            <a:pPr lvl="1"/>
-            <a:r>
-              <a:rPr lang="de-DE" sz="2600" b="1" dirty="0"/>
-              <a:t>&lt;name,color,hasMoved=currentPosition&gt;</a:t>
-            </a:r>
-          </a:p>
-          <a:p>
-            <a:pPr marL="457200" lvl="1" indent="0">
-              <a:buNone/>
-            </a:pPr>
-            <a:endParaRPr lang="de-DE" sz="2800" dirty="0"/>
-          </a:p>
-          <a:p>
-            <a:r>
-              <a:rPr lang="de-DE" dirty="0"/>
-              <a:t>Beispiel:</a:t>
-            </a:r>
-          </a:p>
-          <a:p>
-            <a:pPr lvl="1"/>
-            <a:r>
-              <a:rPr lang="de-DE" sz="2600" b="1" dirty="0"/>
-              <a:t>&lt;rook,black,0=A8&gt;</a:t>
-            </a:r>
-          </a:p>
-          <a:p>
-            <a:pPr lvl="1"/>
-            <a:endParaRPr lang="de-DE" sz="2600" b="1" dirty="0"/>
-          </a:p>
-          <a:p>
-            <a:r>
-              <a:rPr lang="de-DE" sz="3000" dirty="0"/>
-              <a:t>Wenn eine Figur geschlagen wird, ändert sich die Position zu null</a:t>
-            </a:r>
-          </a:p>
-          <a:p>
-            <a:pPr lvl="1"/>
-            <a:r>
-              <a:rPr lang="de-DE" sz="2600" b="1" dirty="0"/>
-              <a:t>&lt;rook,black,0=null&gt;</a:t>
-            </a:r>
-          </a:p>
-          <a:p>
-            <a:pPr lvl="1"/>
-            <a:endParaRPr lang="de-DE" sz="2600" dirty="0"/>
-          </a:p>
-          <a:p>
-            <a:pPr lvl="1"/>
-            <a:endParaRPr lang="de-DE" sz="2600" b="1" dirty="0"/>
-          </a:p>
-          <a:p>
-            <a:endParaRPr lang="de-DE" dirty="0"/>
-          </a:p>
-          <a:p>
-            <a:pPr marL="0" indent="0">
-              <a:buNone/>
-            </a:pPr>
-            <a:endParaRPr lang="de-DE" dirty="0"/>
-          </a:p>
-          <a:p>
-            <a:endParaRPr lang="de-DE" dirty="0"/>
-          </a:p>
-          <a:p>
-            <a:endParaRPr lang="de-DE" dirty="0"/>
-          </a:p>
-          <a:p>
-            <a:endParaRPr lang="de-DE" dirty="0"/>
-          </a:p>
-        </p:txBody>
-      </p:sp>
-    </p:spTree>
-    <p:extLst>
-      <p:ext uri="{BB962C8B-B14F-4D97-AF65-F5344CB8AC3E}">
-        <p14:creationId xmlns:p14="http://schemas.microsoft.com/office/powerpoint/2010/main" val="3526563872"/>
-      </p:ext>
-    </p:extLst>
-  </p:cSld>
-  <p:clrMapOvr>
-    <a:masterClrMapping/>
-  </p:clrMapOvr>
-</p:sld>
-</file>
-
-<file path=ppt/slides/slide11.xml><?xml version="1.0" encoding="utf-8"?>
-<p:sld xmlns:a="http://schemas.openxmlformats.org/drawingml/2006/main" xmlns:r="http://schemas.openxmlformats.org/officeDocument/2006/relationships" xmlns:p="http://schemas.openxmlformats.org/presentationml/2006/main">
-  <p:cSld>
-    <p:bg>
-      <p:bgPr>
-        <a:solidFill>
-          <a:schemeClr val="bg1"/>
-        </a:solidFill>
-        <a:effectLst/>
-      </p:bgPr>
-    </p:bg>
     <p:spTree>
       <p:nvGrpSpPr>
         <p:cNvPr id="1" name=""/>
@@ -9442,10 +9259,10 @@
       </p:grpSpPr>
       <p:pic>
         <p:nvPicPr>
-          <p:cNvPr id="5" name="Grafik 4">
+          <p:cNvPr id="2" name="Grafik 1">
             <a:extLst>
               <a:ext uri="{FF2B5EF4-FFF2-40B4-BE49-F238E27FC236}">
-                <a16:creationId xmlns:a16="http://schemas.microsoft.com/office/drawing/2014/main" id="{3632C87D-288F-4ACE-B4CF-891D03A71E5C}"/>
+                <a16:creationId xmlns:a16="http://schemas.microsoft.com/office/drawing/2014/main" id="{A60BAEB5-6CD1-4C2B-BDDD-083ACE94BEF6}"/>
               </a:ext>
             </a:extLst>
           </p:cNvPr>
@@ -9478,10 +9295,10 @@
       </p:pic>
       <p:sp>
         <p:nvSpPr>
-          <p:cNvPr id="6" name="Textfeld 5">
+          <p:cNvPr id="3" name="Textfeld 2">
             <a:extLst>
               <a:ext uri="{FF2B5EF4-FFF2-40B4-BE49-F238E27FC236}">
-                <a16:creationId xmlns:a16="http://schemas.microsoft.com/office/drawing/2014/main" id="{A85BD74F-5E7A-49DD-A025-9EB066BA8183}"/>
+                <a16:creationId xmlns:a16="http://schemas.microsoft.com/office/drawing/2014/main" id="{483983F7-B655-4A8A-A561-80068023C424}"/>
               </a:ext>
             </a:extLst>
           </p:cNvPr>
@@ -9505,12 +9322,12 @@
           <a:lstStyle/>
           <a:p>
             <a:r>
-              <a:rPr lang="de-DE" sz="2800" dirty="0"/>
+              <a:rPr lang="de-DE" sz="2800" b="1" dirty="0"/>
               <a:t>Mühle:</a:t>
             </a:r>
           </a:p>
           <a:p>
-            <a:endParaRPr lang="de-DE" sz="2800" dirty="0"/>
+            <a:endParaRPr lang="de-DE" sz="2800" b="1" dirty="0"/>
           </a:p>
           <a:p>
             <a:pPr marL="342900" indent="-342900">
@@ -9518,12 +9335,12 @@
               <a:buChar char="•"/>
             </a:pPr>
             <a:r>
-              <a:rPr lang="de-DE" sz="2800" dirty="0"/>
+              <a:rPr lang="de-DE" sz="2800" b="1" dirty="0"/>
               <a:t>Analog zu Schach</a:t>
             </a:r>
           </a:p>
           <a:p>
-            <a:endParaRPr lang="de-DE" sz="2800" dirty="0"/>
+            <a:endParaRPr lang="de-DE" sz="2800" b="1" dirty="0"/>
           </a:p>
           <a:p>
             <a:pPr marL="342900" indent="-342900">
@@ -9531,8 +9348,8 @@
               <a:buChar char="•"/>
             </a:pPr>
             <a:r>
-              <a:rPr lang="de-DE" sz="2800" dirty="0"/>
-              <a:t>String repräsentiert Position aller Figuren</a:t>
+              <a:rPr lang="de-DE" sz="2800" b="1" dirty="0"/>
+              <a:t>String repräsentiert Position aller Steine</a:t>
             </a:r>
           </a:p>
           <a:p>
@@ -9540,14 +9357,14 @@
               <a:buFont typeface="Arial" panose="020B0604020202020204" pitchFamily="34" charset="0"/>
               <a:buChar char="•"/>
             </a:pPr>
-            <a:endParaRPr lang="de-DE" sz="2400" dirty="0"/>
+            <a:endParaRPr lang="de-DE" sz="2400" b="1" dirty="0"/>
           </a:p>
         </p:txBody>
       </p:sp>
     </p:spTree>
     <p:extLst>
       <p:ext uri="{BB962C8B-B14F-4D97-AF65-F5344CB8AC3E}">
-        <p14:creationId xmlns:p14="http://schemas.microsoft.com/office/powerpoint/2010/main" val="2180430814"/>
+        <p14:creationId xmlns:p14="http://schemas.microsoft.com/office/powerpoint/2010/main" val="2908130543"/>
       </p:ext>
     </p:extLst>
   </p:cSld>
@@ -9557,7 +9374,7 @@
 </p:sld>
 </file>
 
-<file path=ppt/slides/slide12.xml><?xml version="1.0" encoding="utf-8"?>
+<file path=ppt/slides/slide11.xml><?xml version="1.0" encoding="utf-8"?>
 <p:sld xmlns:a="http://schemas.openxmlformats.org/drawingml/2006/main" xmlns:r="http://schemas.openxmlformats.org/officeDocument/2006/relationships" xmlns:p="http://schemas.openxmlformats.org/presentationml/2006/main">
   <p:cSld>
     <p:spTree>
@@ -10634,7 +10451,7 @@
   <p:timing>
     <p:tnLst>
       <p:par>
-        <p:cTn id="1" dur="indefinite" nodeType="tmRoot">
+        <p:cTn id="1" dur="indefinite" restart="never" nodeType="tmRoot">
           <p:childTnLst>
             <p:seq concurrent="1" nextAc="seek">
               <p:cTn id="2" dur="indefinite" nodeType="mainSeq"/>
@@ -10661,7 +10478,7 @@
 </p:sld>
 </file>
 
-<file path=ppt/slides/slide13.xml><?xml version="1.0" encoding="utf-8"?>
+<file path=ppt/slides/slide12.xml><?xml version="1.0" encoding="utf-8"?>
 <p:sld xmlns:a="http://schemas.openxmlformats.org/drawingml/2006/main" xmlns:r="http://schemas.openxmlformats.org/officeDocument/2006/relationships" xmlns:p="http://schemas.openxmlformats.org/presentationml/2006/main">
   <p:cSld>
     <p:spTree>
@@ -11745,7 +11562,7 @@
   <p:timing>
     <p:tnLst>
       <p:par>
-        <p:cTn id="1" dur="indefinite" nodeType="tmRoot">
+        <p:cTn id="1" dur="indefinite" restart="never" nodeType="tmRoot">
           <p:childTnLst>
             <p:seq concurrent="1" nextAc="seek">
               <p:cTn id="2" dur="indefinite" nodeType="mainSeq"/>
@@ -11772,7 +11589,7 @@
 </p:sld>
 </file>
 
-<file path=ppt/slides/slide14.xml><?xml version="1.0" encoding="utf-8"?>
+<file path=ppt/slides/slide13.xml><?xml version="1.0" encoding="utf-8"?>
 <p:sld xmlns:a="http://schemas.openxmlformats.org/drawingml/2006/main" xmlns:r="http://schemas.openxmlformats.org/officeDocument/2006/relationships" xmlns:p="http://schemas.openxmlformats.org/presentationml/2006/main">
   <p:cSld>
     <p:spTree>
@@ -12796,7 +12613,7 @@
   <p:timing>
     <p:tnLst>
       <p:par>
-        <p:cTn id="1" dur="indefinite" nodeType="tmRoot">
+        <p:cTn id="1" dur="indefinite" restart="never" nodeType="tmRoot">
           <p:childTnLst>
             <p:seq concurrent="1" nextAc="seek">
               <p:cTn id="2" dur="indefinite" nodeType="mainSeq"/>
@@ -12823,7 +12640,7 @@
 </p:sld>
 </file>
 
-<file path=ppt/slides/slide15.xml><?xml version="1.0" encoding="utf-8"?>
+<file path=ppt/slides/slide14.xml><?xml version="1.0" encoding="utf-8"?>
 <p:sld xmlns:a="http://schemas.openxmlformats.org/drawingml/2006/main" xmlns:r="http://schemas.openxmlformats.org/officeDocument/2006/relationships" xmlns:p="http://schemas.openxmlformats.org/presentationml/2006/main">
   <p:cSld>
     <p:spTree>
@@ -13892,7 +13709,7 @@
   <p:timing>
     <p:tnLst>
       <p:par>
-        <p:cTn id="1" dur="indefinite" nodeType="tmRoot">
+        <p:cTn id="1" dur="indefinite" restart="never" nodeType="tmRoot">
           <p:childTnLst>
             <p:seq concurrent="1" nextAc="seek">
               <p:cTn id="2" dur="indefinite" nodeType="mainSeq"/>
@@ -13919,7 +13736,7 @@
 </p:sld>
 </file>
 
-<file path=ppt/slides/slide16.xml><?xml version="1.0" encoding="utf-8"?>
+<file path=ppt/slides/slide15.xml><?xml version="1.0" encoding="utf-8"?>
 <p:sld xmlns:a="http://schemas.openxmlformats.org/drawingml/2006/main" xmlns:r="http://schemas.openxmlformats.org/officeDocument/2006/relationships" xmlns:p="http://schemas.openxmlformats.org/presentationml/2006/main">
   <p:cSld>
     <p:spTree>
@@ -14556,7 +14373,7 @@
   <p:timing>
     <p:tnLst>
       <p:par>
-        <p:cTn id="1" dur="indefinite" nodeType="tmRoot">
+        <p:cTn id="1" dur="indefinite" restart="never" nodeType="tmRoot">
           <p:childTnLst>
             <p:seq concurrent="1" nextAc="seek">
               <p:cTn id="2" dur="indefinite" nodeType="mainSeq"/>
@@ -14583,7 +14400,7 @@
 </p:sld>
 </file>
 
-<file path=ppt/slides/slide17.xml><?xml version="1.0" encoding="utf-8"?>
+<file path=ppt/slides/slide16.xml><?xml version="1.0" encoding="utf-8"?>
 <p:sld xmlns:a="http://schemas.openxmlformats.org/drawingml/2006/main" xmlns:r="http://schemas.openxmlformats.org/officeDocument/2006/relationships" xmlns:p="http://schemas.openxmlformats.org/presentationml/2006/main">
   <p:cSld>
     <p:spTree>
@@ -15220,7 +15037,7 @@
   <p:timing>
     <p:tnLst>
       <p:par>
-        <p:cTn id="1" dur="indefinite" nodeType="tmRoot">
+        <p:cTn id="1" dur="indefinite" restart="never" nodeType="tmRoot">
           <p:childTnLst>
             <p:seq concurrent="1" nextAc="seek">
               <p:cTn id="2" dur="indefinite" nodeType="mainSeq"/>
@@ -15247,7 +15064,7 @@
 </p:sld>
 </file>
 
-<file path=ppt/slides/slide18.xml><?xml version="1.0" encoding="utf-8"?>
+<file path=ppt/slides/slide17.xml><?xml version="1.0" encoding="utf-8"?>
 <p:sld xmlns:a="http://schemas.openxmlformats.org/drawingml/2006/main" xmlns:r="http://schemas.openxmlformats.org/officeDocument/2006/relationships" xmlns:p="http://schemas.openxmlformats.org/presentationml/2006/main">
   <p:cSld>
     <p:spTree>
@@ -16384,7 +16201,7 @@
   <p:timing>
     <p:tnLst>
       <p:par>
-        <p:cTn id="1" dur="indefinite" nodeType="tmRoot">
+        <p:cTn id="1" dur="indefinite" restart="never" nodeType="tmRoot">
           <p:childTnLst>
             <p:seq concurrent="1" nextAc="seek">
               <p:cTn id="2" dur="indefinite" nodeType="mainSeq"/>
@@ -16411,7 +16228,7 @@
 </p:sld>
 </file>
 
-<file path=ppt/slides/slide19.xml><?xml version="1.0" encoding="utf-8"?>
+<file path=ppt/slides/slide18.xml><?xml version="1.0" encoding="utf-8"?>
 <p:sld xmlns:a="http://schemas.openxmlformats.org/drawingml/2006/main" xmlns:r="http://schemas.openxmlformats.org/officeDocument/2006/relationships" xmlns:p="http://schemas.openxmlformats.org/presentationml/2006/main">
   <p:cSld>
     <p:spTree>
@@ -17559,7 +17376,7 @@
   <p:timing>
     <p:tnLst>
       <p:par>
-        <p:cTn id="1" dur="indefinite" nodeType="tmRoot">
+        <p:cTn id="1" dur="indefinite" restart="never" nodeType="tmRoot">
           <p:childTnLst>
             <p:seq concurrent="1" nextAc="seek">
               <p:cTn id="2" dur="indefinite" nodeType="mainSeq"/>
@@ -18020,139 +17837,6 @@
 <file path=ppt/slides/slide6.xml><?xml version="1.0" encoding="utf-8"?>
 <p:sld xmlns:a="http://schemas.openxmlformats.org/drawingml/2006/main" xmlns:r="http://schemas.openxmlformats.org/officeDocument/2006/relationships" xmlns:p="http://schemas.openxmlformats.org/presentationml/2006/main">
   <p:cSld>
-    <p:bg>
-      <p:bgPr>
-        <a:solidFill>
-          <a:schemeClr val="bg1"/>
-        </a:solidFill>
-        <a:effectLst/>
-      </p:bgPr>
-    </p:bg>
-    <p:spTree>
-      <p:nvGrpSpPr>
-        <p:cNvPr id="1" name=""/>
-        <p:cNvGrpSpPr/>
-        <p:nvPr/>
-      </p:nvGrpSpPr>
-      <p:grpSpPr>
-        <a:xfrm>
-          <a:off x="0" y="0"/>
-          <a:ext cx="0" cy="0"/>
-          <a:chOff x="0" y="0"/>
-          <a:chExt cx="0" cy="0"/>
-        </a:xfrm>
-      </p:grpSpPr>
-      <p:sp>
-        <p:nvSpPr>
-          <p:cNvPr id="2" name="Titel 1">
-            <a:extLst>
-              <a:ext uri="{FF2B5EF4-FFF2-40B4-BE49-F238E27FC236}">
-                <a16:creationId xmlns:a16="http://schemas.microsoft.com/office/drawing/2014/main" id="{0B282628-92AE-4278-82AF-9C7EFF2E90A2}"/>
-              </a:ext>
-            </a:extLst>
-          </p:cNvPr>
-          <p:cNvSpPr>
-            <a:spLocks noGrp="1"/>
-          </p:cNvSpPr>
-          <p:nvPr>
-            <p:ph type="title"/>
-          </p:nvPr>
-        </p:nvSpPr>
-        <p:spPr/>
-        <p:txBody>
-          <a:bodyPr/>
-          <a:lstStyle/>
-          <a:p>
-            <a:r>
-              <a:rPr lang="de-DE" dirty="0"/>
-              <a:t>Menü</a:t>
-            </a:r>
-          </a:p>
-        </p:txBody>
-      </p:sp>
-      <p:sp>
-        <p:nvSpPr>
-          <p:cNvPr id="3" name="Inhaltsplatzhalter 2">
-            <a:extLst>
-              <a:ext uri="{FF2B5EF4-FFF2-40B4-BE49-F238E27FC236}">
-                <a16:creationId xmlns:a16="http://schemas.microsoft.com/office/drawing/2014/main" id="{D504394D-25DD-4B5A-8350-C74A11693AB0}"/>
-              </a:ext>
-            </a:extLst>
-          </p:cNvPr>
-          <p:cNvSpPr>
-            <a:spLocks noGrp="1"/>
-          </p:cNvSpPr>
-          <p:nvPr>
-            <p:ph idx="1"/>
-          </p:nvPr>
-        </p:nvSpPr>
-        <p:spPr/>
-        <p:txBody>
-          <a:bodyPr/>
-          <a:lstStyle/>
-          <a:p>
-            <a:r>
-              <a:rPr lang="de-DE" dirty="0"/>
-              <a:t>Spieler hat die Möglichkeit, …</a:t>
-            </a:r>
-          </a:p>
-          <a:p>
-            <a:pPr lvl="1"/>
-            <a:r>
-              <a:rPr lang="de-DE" sz="2600" dirty="0"/>
-              <a:t>… sich einzuloggen</a:t>
-            </a:r>
-          </a:p>
-          <a:p>
-            <a:pPr lvl="1"/>
-            <a:r>
-              <a:rPr lang="de-DE" sz="2600" dirty="0"/>
-              <a:t>… sich einen Account zu erstellen</a:t>
-            </a:r>
-          </a:p>
-          <a:p>
-            <a:pPr lvl="1"/>
-            <a:r>
-              <a:rPr lang="de-DE" sz="2600" dirty="0"/>
-              <a:t>… ein Spiel auszuwählen (Schach oder Mühle)</a:t>
-            </a:r>
-          </a:p>
-          <a:p>
-            <a:pPr lvl="1"/>
-            <a:r>
-              <a:rPr lang="de-DE" sz="2600" dirty="0"/>
-              <a:t>… ein Spiel wiederherzustellen</a:t>
-            </a:r>
-          </a:p>
-          <a:p>
-            <a:endParaRPr lang="de-DE" dirty="0"/>
-          </a:p>
-        </p:txBody>
-      </p:sp>
-    </p:spTree>
-    <p:extLst>
-      <p:ext uri="{BB962C8B-B14F-4D97-AF65-F5344CB8AC3E}">
-        <p14:creationId xmlns:p14="http://schemas.microsoft.com/office/powerpoint/2010/main" val="3927702231"/>
-      </p:ext>
-    </p:extLst>
-  </p:cSld>
-  <p:clrMapOvr>
-    <a:masterClrMapping/>
-  </p:clrMapOvr>
-</p:sld>
-</file>
-
-<file path=ppt/slides/slide7.xml><?xml version="1.0" encoding="utf-8"?>
-<p:sld xmlns:a="http://schemas.openxmlformats.org/drawingml/2006/main" xmlns:r="http://schemas.openxmlformats.org/officeDocument/2006/relationships" xmlns:p="http://schemas.openxmlformats.org/presentationml/2006/main">
-  <p:cSld>
-    <p:bg>
-      <p:bgPr>
-        <a:solidFill>
-          <a:schemeClr val="bg1"/>
-        </a:solidFill>
-        <a:effectLst/>
-      </p:bgPr>
-    </p:bg>
     <p:spTree>
       <p:nvGrpSpPr>
         <p:cNvPr id="1" name=""/>
@@ -18169,10 +17853,10 @@
       </p:grpSpPr>
       <p:pic>
         <p:nvPicPr>
-          <p:cNvPr id="5" name="Inhaltsplatzhalter 4">
+          <p:cNvPr id="2" name="Inhaltsplatzhalter 4">
             <a:extLst>
               <a:ext uri="{FF2B5EF4-FFF2-40B4-BE49-F238E27FC236}">
-                <a16:creationId xmlns:a16="http://schemas.microsoft.com/office/drawing/2014/main" id="{055A60F3-D070-49C0-9BD3-0E7BAFC1242C}"/>
+                <a16:creationId xmlns:a16="http://schemas.microsoft.com/office/drawing/2014/main" id="{EDE9CBC7-F70B-4145-9BE6-C5E82B09548F}"/>
               </a:ext>
             </a:extLst>
           </p:cNvPr>
@@ -18204,10 +17888,10 @@
       </p:pic>
       <p:sp>
         <p:nvSpPr>
-          <p:cNvPr id="7" name="Textfeld 6">
+          <p:cNvPr id="3" name="Textfeld 2">
             <a:extLst>
               <a:ext uri="{FF2B5EF4-FFF2-40B4-BE49-F238E27FC236}">
-                <a16:creationId xmlns:a16="http://schemas.microsoft.com/office/drawing/2014/main" id="{C903822F-00A2-4495-A29C-EAB0CD23EFFE}"/>
+                <a16:creationId xmlns:a16="http://schemas.microsoft.com/office/drawing/2014/main" id="{BB572D6E-AD42-4927-A180-562B152AB3A5}"/>
               </a:ext>
             </a:extLst>
           </p:cNvPr>
@@ -18231,7 +17915,7 @@
           <a:lstStyle/>
           <a:p>
             <a:r>
-              <a:rPr lang="de-DE" sz="2800" dirty="0"/>
+              <a:rPr lang="de-DE" sz="2800" b="1" dirty="0"/>
               <a:t>Features:</a:t>
             </a:r>
           </a:p>
@@ -18240,7 +17924,7 @@
               <a:buFont typeface="Arial" panose="020B0604020202020204" pitchFamily="34" charset="0"/>
               <a:buChar char="•"/>
             </a:pPr>
-            <a:endParaRPr lang="de-DE" sz="2800" dirty="0"/>
+            <a:endParaRPr lang="de-DE" sz="2800" b="1" dirty="0"/>
           </a:p>
           <a:p>
             <a:pPr marL="342900" indent="-342900">
@@ -18248,7 +17932,7 @@
               <a:buChar char="•"/>
             </a:pPr>
             <a:r>
-              <a:rPr lang="de-DE" sz="2800" dirty="0"/>
+              <a:rPr lang="de-DE" sz="2800" b="1" dirty="0"/>
               <a:t>Figuren lassen sich mittels Drag and Drop bewegen</a:t>
             </a:r>
           </a:p>
@@ -18257,7 +17941,7 @@
               <a:buFont typeface="Arial" panose="020B0604020202020204" pitchFamily="34" charset="0"/>
               <a:buChar char="•"/>
             </a:pPr>
-            <a:endParaRPr lang="de-DE" sz="2800" dirty="0"/>
+            <a:endParaRPr lang="de-DE" sz="2800" b="1" dirty="0"/>
           </a:p>
           <a:p>
             <a:pPr marL="342900" indent="-342900">
@@ -18265,7 +17949,7 @@
               <a:buChar char="•"/>
             </a:pPr>
             <a:r>
-              <a:rPr lang="de-DE" sz="2800" dirty="0"/>
+              <a:rPr lang="de-DE" sz="2800" b="1" dirty="0"/>
               <a:t>Timer begrenzt Dauer des Zuges</a:t>
             </a:r>
           </a:p>
@@ -18274,7 +17958,7 @@
               <a:buFont typeface="Arial" panose="020B0604020202020204" pitchFamily="34" charset="0"/>
               <a:buChar char="•"/>
             </a:pPr>
-            <a:endParaRPr lang="de-DE" sz="2800" dirty="0"/>
+            <a:endParaRPr lang="de-DE" sz="2800" b="1" dirty="0"/>
           </a:p>
           <a:p>
             <a:pPr marL="342900" indent="-342900">
@@ -18282,17 +17966,17 @@
               <a:buChar char="•"/>
             </a:pPr>
             <a:r>
-              <a:rPr lang="de-DE" sz="2800" dirty="0"/>
+              <a:rPr lang="de-DE" sz="2800" b="1" dirty="0"/>
               <a:t>Spielbrett aus Sicht des jeweiligen Spielers</a:t>
             </a:r>
-            <a:endParaRPr lang="de-DE" sz="2400" dirty="0"/>
+            <a:endParaRPr lang="de-DE" sz="2400" b="1" dirty="0"/>
           </a:p>
         </p:txBody>
       </p:sp>
     </p:spTree>
     <p:extLst>
       <p:ext uri="{BB962C8B-B14F-4D97-AF65-F5344CB8AC3E}">
-        <p14:creationId xmlns:p14="http://schemas.microsoft.com/office/powerpoint/2010/main" val="2399766873"/>
+        <p14:creationId xmlns:p14="http://schemas.microsoft.com/office/powerpoint/2010/main" val="3044609453"/>
       </p:ext>
     </p:extLst>
   </p:cSld>
@@ -18302,17 +17986,9 @@
 </p:sld>
 </file>
 
-<file path=ppt/slides/slide8.xml><?xml version="1.0" encoding="utf-8"?>
+<file path=ppt/slides/slide7.xml><?xml version="1.0" encoding="utf-8"?>
 <p:sld xmlns:a="http://schemas.openxmlformats.org/drawingml/2006/main" xmlns:r="http://schemas.openxmlformats.org/officeDocument/2006/relationships" xmlns:p="http://schemas.openxmlformats.org/presentationml/2006/main">
   <p:cSld>
-    <p:bg>
-      <p:bgPr>
-        <a:solidFill>
-          <a:schemeClr val="bg1"/>
-        </a:solidFill>
-        <a:effectLst/>
-      </p:bgPr>
-    </p:bg>
     <p:spTree>
       <p:nvGrpSpPr>
         <p:cNvPr id="1" name=""/>
@@ -18332,7 +18008,7 @@
           <p:cNvPr id="2" name="Titel 1">
             <a:extLst>
               <a:ext uri="{FF2B5EF4-FFF2-40B4-BE49-F238E27FC236}">
-                <a16:creationId xmlns:a16="http://schemas.microsoft.com/office/drawing/2014/main" id="{90160214-6A26-4C54-AA51-26F69BC525EB}"/>
+                <a16:creationId xmlns:a16="http://schemas.microsoft.com/office/drawing/2014/main" id="{403F90F2-C148-42A6-A11B-DB071E2FF3A5}"/>
               </a:ext>
             </a:extLst>
           </p:cNvPr>
@@ -18343,13 +18019,18 @@
             <p:ph type="title"/>
           </p:nvPr>
         </p:nvSpPr>
-        <p:spPr/>
+        <p:spPr>
+          <a:xfrm>
+            <a:off x="838200" y="365125"/>
+            <a:ext cx="10515600" cy="1325563"/>
+          </a:xfrm>
+        </p:spPr>
         <p:txBody>
           <a:bodyPr/>
           <a:lstStyle/>
           <a:p>
             <a:r>
-              <a:rPr lang="de-DE" dirty="0"/>
+              <a:rPr lang="de-DE" b="1" dirty="0"/>
               <a:t>Spielbrett – String Repräsentierung</a:t>
             </a:r>
           </a:p>
@@ -18357,10 +18038,10 @@
       </p:sp>
       <p:sp>
         <p:nvSpPr>
-          <p:cNvPr id="4" name="Textfeld 3">
+          <p:cNvPr id="3" name="Textfeld 2">
             <a:extLst>
               <a:ext uri="{FF2B5EF4-FFF2-40B4-BE49-F238E27FC236}">
-                <a16:creationId xmlns:a16="http://schemas.microsoft.com/office/drawing/2014/main" id="{FEDE6A99-3871-46F8-A106-7B055D9F9502}"/>
+                <a16:creationId xmlns:a16="http://schemas.microsoft.com/office/drawing/2014/main" id="{3AB6FBFD-4C48-489F-91D1-70C0DF934A6D}"/>
               </a:ext>
             </a:extLst>
           </p:cNvPr>
@@ -18387,7 +18068,7 @@
               <a:buNone/>
             </a:pPr>
             <a:r>
-              <a:rPr lang="de-DE" dirty="0"/>
+              <a:rPr lang="de-DE" b="1" dirty="0"/>
               <a:t>&lt;rook,black,0=A8&gt;&lt;knight,black,0=B8&gt;&lt;bishop,black,0=C8&gt;&lt;queen,black,0=D8&gt;&lt;king,black,0=E8&gt;&lt;bishop,black,0=F8&gt;</a:t>
             </a:r>
           </a:p>
@@ -18396,7 +18077,7 @@
               <a:buNone/>
             </a:pPr>
             <a:r>
-              <a:rPr lang="de-DE" dirty="0"/>
+              <a:rPr lang="de-DE" b="1" dirty="0"/>
               <a:t>&lt;knight,black,0=G8&gt;&lt;rook,black,0=H8&gt;&lt;pawn,black,0=A7&gt;&lt;pawn,black,0=B7&gt;&lt;pawn,black,0=C7&gt;&lt;pawn,black,0=D7&gt;</a:t>
             </a:r>
           </a:p>
@@ -18405,7 +18086,7 @@
               <a:buNone/>
             </a:pPr>
             <a:r>
-              <a:rPr lang="de-DE" dirty="0"/>
+              <a:rPr lang="de-DE" b="1" dirty="0"/>
               <a:t>&lt;pawn,black,0=E7&gt;&lt;pawn,black,0=F7&gt;&lt;pawn,black,0=G7&gt;&lt;pawn,black,0=H7&gt;&lt;rook,white,0=A1&gt;&lt;knight,white,0=B1&gt;</a:t>
             </a:r>
           </a:p>
@@ -18414,7 +18095,7 @@
               <a:buNone/>
             </a:pPr>
             <a:r>
-              <a:rPr lang="de-DE" dirty="0"/>
+              <a:rPr lang="de-DE" b="1" dirty="0"/>
               <a:t>&lt;bishop,white,0=C1&gt;&lt;queen,white,0=D1&gt;&lt;king,white,0=E1&gt;&lt;bishop,white,0=F1&gt;&lt;knight,white,0=G1&gt;&lt;rook,white,0=H1&gt;</a:t>
             </a:r>
           </a:p>
@@ -18423,7 +18104,7 @@
               <a:buNone/>
             </a:pPr>
             <a:r>
-              <a:rPr lang="de-DE" dirty="0"/>
+              <a:rPr lang="de-DE" b="1" dirty="0"/>
               <a:t>&lt;pawn,white,0=A2&gt;&lt;pawn,white,0=B2&gt;&lt;pawn,white,0=C2&gt;&lt;pawn,white,0=D2&gt;&lt;pawn,white,0=E2&gt;&lt;pawn,white,0=F3&gt;</a:t>
             </a:r>
           </a:p>
@@ -18432,7 +18113,7 @@
               <a:buNone/>
             </a:pPr>
             <a:r>
-              <a:rPr lang="de-DE" dirty="0"/>
+              <a:rPr lang="de-DE" b="1" dirty="0"/>
               <a:t>&lt;pawn,white,0=G2&gt;&lt;pawn,white,0=H2&gt;</a:t>
             </a:r>
           </a:p>
@@ -18440,10 +18121,10 @@
       </p:sp>
       <p:sp>
         <p:nvSpPr>
-          <p:cNvPr id="7" name="Inhaltsplatzhalter 6">
+          <p:cNvPr id="4" name="Inhaltsplatzhalter 6">
             <a:extLst>
               <a:ext uri="{FF2B5EF4-FFF2-40B4-BE49-F238E27FC236}">
-                <a16:creationId xmlns:a16="http://schemas.microsoft.com/office/drawing/2014/main" id="{85C77923-1CD8-497A-BE8B-F542AD6F6E05}"/>
+                <a16:creationId xmlns:a16="http://schemas.microsoft.com/office/drawing/2014/main" id="{47FF5082-E0EE-4A76-A2CB-61733D754A91}"/>
               </a:ext>
             </a:extLst>
           </p:cNvPr>
@@ -18470,7 +18151,7 @@
               <a:buNone/>
             </a:pPr>
             <a:r>
-              <a:rPr lang="de-DE" sz="2400" dirty="0"/>
+              <a:rPr lang="de-DE" sz="2400" b="1" dirty="0"/>
               <a:t>&lt;Gameboard =</a:t>
             </a:r>
           </a:p>
@@ -18478,10 +18159,10 @@
       </p:sp>
       <p:sp>
         <p:nvSpPr>
-          <p:cNvPr id="9" name="Inhaltsplatzhalter 6">
+          <p:cNvPr id="5" name="Inhaltsplatzhalter 6">
             <a:extLst>
               <a:ext uri="{FF2B5EF4-FFF2-40B4-BE49-F238E27FC236}">
-                <a16:creationId xmlns:a16="http://schemas.microsoft.com/office/drawing/2014/main" id="{A992DCAB-838F-4452-9338-6045C441B42E}"/>
+                <a16:creationId xmlns:a16="http://schemas.microsoft.com/office/drawing/2014/main" id="{CEB4CDC6-62B7-4B16-B9B9-575870C80B81}"/>
               </a:ext>
             </a:extLst>
           </p:cNvPr>
@@ -18673,17 +18354,17 @@
               <a:buNone/>
             </a:pPr>
             <a:r>
-              <a:rPr lang="de-DE" sz="2400" dirty="0"/>
+              <a:rPr lang="de-DE" sz="2400" b="1" dirty="0"/>
               <a:t>&gt;</a:t>
             </a:r>
-            <a:endParaRPr lang="de-DE" dirty="0"/>
+            <a:endParaRPr lang="de-DE" b="1" dirty="0"/>
           </a:p>
         </p:txBody>
       </p:sp>
     </p:spTree>
     <p:extLst>
       <p:ext uri="{BB962C8B-B14F-4D97-AF65-F5344CB8AC3E}">
-        <p14:creationId xmlns:p14="http://schemas.microsoft.com/office/powerpoint/2010/main" val="830134916"/>
+        <p14:creationId xmlns:p14="http://schemas.microsoft.com/office/powerpoint/2010/main" val="1897983186"/>
       </p:ext>
     </p:extLst>
   </p:cSld>
@@ -18693,17 +18374,9 @@
 </p:sld>
 </file>
 
-<file path=ppt/slides/slide9.xml><?xml version="1.0" encoding="utf-8"?>
+<file path=ppt/slides/slide8.xml><?xml version="1.0" encoding="utf-8"?>
 <p:sld xmlns:a="http://schemas.openxmlformats.org/drawingml/2006/main" xmlns:r="http://schemas.openxmlformats.org/officeDocument/2006/relationships" xmlns:p="http://schemas.openxmlformats.org/presentationml/2006/main">
   <p:cSld>
-    <p:bg>
-      <p:bgPr>
-        <a:solidFill>
-          <a:schemeClr val="bg1"/>
-        </a:solidFill>
-        <a:effectLst/>
-      </p:bgPr>
-    </p:bg>
     <p:spTree>
       <p:nvGrpSpPr>
         <p:cNvPr id="1" name=""/>
@@ -18720,10 +18393,10 @@
       </p:grpSpPr>
       <p:pic>
         <p:nvPicPr>
-          <p:cNvPr id="7" name="Grafik 6">
+          <p:cNvPr id="2" name="Grafik 1">
             <a:extLst>
               <a:ext uri="{FF2B5EF4-FFF2-40B4-BE49-F238E27FC236}">
-                <a16:creationId xmlns:a16="http://schemas.microsoft.com/office/drawing/2014/main" id="{058EF160-ABF0-4AFB-AD0E-29D577FC1C6D}"/>
+                <a16:creationId xmlns:a16="http://schemas.microsoft.com/office/drawing/2014/main" id="{9F4DA46C-65AB-4430-9DE2-FA72EF26E188}"/>
               </a:ext>
             </a:extLst>
           </p:cNvPr>
@@ -18756,10 +18429,10 @@
       </p:pic>
       <p:pic>
         <p:nvPicPr>
-          <p:cNvPr id="9" name="Grafik 8">
+          <p:cNvPr id="3" name="Grafik 2">
             <a:extLst>
               <a:ext uri="{FF2B5EF4-FFF2-40B4-BE49-F238E27FC236}">
-                <a16:creationId xmlns:a16="http://schemas.microsoft.com/office/drawing/2014/main" id="{6F7EF450-E2AE-496D-A971-77BE515EE4D5}"/>
+                <a16:creationId xmlns:a16="http://schemas.microsoft.com/office/drawing/2014/main" id="{94F7DBAF-CA66-4F4A-BCB9-FD57BE5BCA25}"/>
               </a:ext>
             </a:extLst>
           </p:cNvPr>
@@ -18792,10 +18465,10 @@
       </p:pic>
       <p:sp>
         <p:nvSpPr>
-          <p:cNvPr id="11" name="Textfeld 10">
+          <p:cNvPr id="4" name="Textfeld 3">
             <a:extLst>
               <a:ext uri="{FF2B5EF4-FFF2-40B4-BE49-F238E27FC236}">
-                <a16:creationId xmlns:a16="http://schemas.microsoft.com/office/drawing/2014/main" id="{34AC6341-BA8D-4EC7-A20C-E98E041C46A9}"/>
+                <a16:creationId xmlns:a16="http://schemas.microsoft.com/office/drawing/2014/main" id="{D02A2254-ECAD-4E9A-94FC-AF2A00293E61}"/>
               </a:ext>
             </a:extLst>
           </p:cNvPr>
@@ -18820,7 +18493,7 @@
           <a:p>
             <a:pPr algn="ctr"/>
             <a:r>
-              <a:rPr lang="de-DE" sz="2400" dirty="0"/>
+              <a:rPr lang="de-DE" sz="2400" b="1" dirty="0"/>
               <a:t>aus Sicht von schwarz</a:t>
             </a:r>
           </a:p>
@@ -18828,10 +18501,10 @@
       </p:sp>
       <p:sp>
         <p:nvSpPr>
-          <p:cNvPr id="12" name="Textfeld 11">
+          <p:cNvPr id="5" name="Textfeld 4">
             <a:extLst>
               <a:ext uri="{FF2B5EF4-FFF2-40B4-BE49-F238E27FC236}">
-                <a16:creationId xmlns:a16="http://schemas.microsoft.com/office/drawing/2014/main" id="{1016571C-A165-4579-8D61-BB3CC5D02FCE}"/>
+                <a16:creationId xmlns:a16="http://schemas.microsoft.com/office/drawing/2014/main" id="{B98AD2F1-E56C-4322-B48D-782DEA4679BB}"/>
               </a:ext>
             </a:extLst>
           </p:cNvPr>
@@ -18856,7 +18529,7 @@
           <a:p>
             <a:pPr algn="ctr"/>
             <a:r>
-              <a:rPr lang="de-DE" sz="2400" dirty="0"/>
+              <a:rPr lang="de-DE" sz="2400" b="1" dirty="0"/>
               <a:t>aus Sicht von weiß</a:t>
             </a:r>
           </a:p>
@@ -18865,7 +18538,178 @@
     </p:spTree>
     <p:extLst>
       <p:ext uri="{BB962C8B-B14F-4D97-AF65-F5344CB8AC3E}">
-        <p14:creationId xmlns:p14="http://schemas.microsoft.com/office/powerpoint/2010/main" val="2137210091"/>
+        <p14:creationId xmlns:p14="http://schemas.microsoft.com/office/powerpoint/2010/main" val="1267461251"/>
+      </p:ext>
+    </p:extLst>
+  </p:cSld>
+  <p:clrMapOvr>
+    <a:masterClrMapping/>
+  </p:clrMapOvr>
+</p:sld>
+</file>
+
+<file path=ppt/slides/slide9.xml><?xml version="1.0" encoding="utf-8"?>
+<p:sld xmlns:a="http://schemas.openxmlformats.org/drawingml/2006/main" xmlns:r="http://schemas.openxmlformats.org/officeDocument/2006/relationships" xmlns:p="http://schemas.openxmlformats.org/presentationml/2006/main">
+  <p:cSld>
+    <p:spTree>
+      <p:nvGrpSpPr>
+        <p:cNvPr id="1" name=""/>
+        <p:cNvGrpSpPr/>
+        <p:nvPr/>
+      </p:nvGrpSpPr>
+      <p:grpSpPr>
+        <a:xfrm>
+          <a:off x="0" y="0"/>
+          <a:ext cx="0" cy="0"/>
+          <a:chOff x="0" y="0"/>
+          <a:chExt cx="0" cy="0"/>
+        </a:xfrm>
+      </p:grpSpPr>
+      <p:sp>
+        <p:nvSpPr>
+          <p:cNvPr id="2" name="Titel 1">
+            <a:extLst>
+              <a:ext uri="{FF2B5EF4-FFF2-40B4-BE49-F238E27FC236}">
+                <a16:creationId xmlns:a16="http://schemas.microsoft.com/office/drawing/2014/main" id="{3921D645-5AAD-46A4-BD37-2A4312656E2F}"/>
+              </a:ext>
+            </a:extLst>
+          </p:cNvPr>
+          <p:cNvSpPr>
+            <a:spLocks noGrp="1"/>
+          </p:cNvSpPr>
+          <p:nvPr>
+            <p:ph type="title"/>
+          </p:nvPr>
+        </p:nvSpPr>
+        <p:spPr>
+          <a:xfrm>
+            <a:off x="838200" y="365125"/>
+            <a:ext cx="10515600" cy="1325563"/>
+          </a:xfrm>
+        </p:spPr>
+        <p:txBody>
+          <a:bodyPr/>
+          <a:lstStyle/>
+          <a:p>
+            <a:r>
+              <a:rPr lang="de-DE" b="1" dirty="0"/>
+              <a:t>Spielbrett – String Repräsentierung</a:t>
+            </a:r>
+          </a:p>
+        </p:txBody>
+      </p:sp>
+      <p:sp>
+        <p:nvSpPr>
+          <p:cNvPr id="3" name="Inhaltsplatzhalter 2">
+            <a:extLst>
+              <a:ext uri="{FF2B5EF4-FFF2-40B4-BE49-F238E27FC236}">
+                <a16:creationId xmlns:a16="http://schemas.microsoft.com/office/drawing/2014/main" id="{F9BB9B42-7244-4DD3-BAA1-C0669E21B9EF}"/>
+              </a:ext>
+            </a:extLst>
+          </p:cNvPr>
+          <p:cNvSpPr>
+            <a:spLocks noGrp="1"/>
+          </p:cNvSpPr>
+          <p:nvPr>
+            <p:ph idx="1"/>
+          </p:nvPr>
+        </p:nvSpPr>
+        <p:spPr>
+          <a:xfrm>
+            <a:off x="838200" y="1825624"/>
+            <a:ext cx="10515600" cy="4667251"/>
+          </a:xfrm>
+        </p:spPr>
+        <p:txBody>
+          <a:bodyPr/>
+          <a:lstStyle/>
+          <a:p>
+            <a:r>
+              <a:rPr lang="de-DE" b="1" dirty="0"/>
+              <a:t>String enthält immer alle 32 Spielfiguren</a:t>
+            </a:r>
+          </a:p>
+          <a:p>
+            <a:r>
+              <a:rPr lang="de-DE" b="1" dirty="0"/>
+              <a:t>Jede Figur hat einen fixen Index</a:t>
+            </a:r>
+          </a:p>
+          <a:p>
+            <a:pPr lvl="1"/>
+            <a:r>
+              <a:rPr lang="de-DE" sz="2600" b="1" dirty="0"/>
+              <a:t>&lt;name,color,hasMoved=currentPosition&gt;</a:t>
+            </a:r>
+          </a:p>
+          <a:p>
+            <a:pPr marL="457200" lvl="1" indent="0">
+              <a:buNone/>
+            </a:pPr>
+            <a:endParaRPr lang="de-DE" sz="2800" b="1" dirty="0"/>
+          </a:p>
+          <a:p>
+            <a:r>
+              <a:rPr lang="de-DE" b="1" dirty="0"/>
+              <a:t>Beispiel:</a:t>
+            </a:r>
+          </a:p>
+          <a:p>
+            <a:pPr lvl="1"/>
+            <a:r>
+              <a:rPr lang="de-DE" sz="2600" b="1" dirty="0"/>
+              <a:t>&lt;rook,black,0=A8&gt;</a:t>
+            </a:r>
+          </a:p>
+          <a:p>
+            <a:pPr lvl="1"/>
+            <a:endParaRPr lang="de-DE" sz="2600" b="1" dirty="0"/>
+          </a:p>
+          <a:p>
+            <a:r>
+              <a:rPr lang="de-DE" sz="3000" b="1" dirty="0"/>
+              <a:t>Wenn eine Figur geschlagen wird, ändert sich die Position zu null</a:t>
+            </a:r>
+          </a:p>
+          <a:p>
+            <a:pPr lvl="1"/>
+            <a:r>
+              <a:rPr lang="de-DE" sz="2600" b="1" dirty="0"/>
+              <a:t>&lt;rook,black,0=null&gt;</a:t>
+            </a:r>
+          </a:p>
+          <a:p>
+            <a:pPr lvl="1"/>
+            <a:endParaRPr lang="de-DE" sz="2600" b="1" dirty="0"/>
+          </a:p>
+          <a:p>
+            <a:pPr lvl="1"/>
+            <a:endParaRPr lang="de-DE" sz="2600" b="1" dirty="0"/>
+          </a:p>
+          <a:p>
+            <a:endParaRPr lang="de-DE" b="1" dirty="0"/>
+          </a:p>
+          <a:p>
+            <a:pPr marL="0" indent="0">
+              <a:buNone/>
+            </a:pPr>
+            <a:endParaRPr lang="de-DE" b="1" dirty="0"/>
+          </a:p>
+          <a:p>
+            <a:endParaRPr lang="de-DE" b="1" dirty="0"/>
+          </a:p>
+          <a:p>
+            <a:endParaRPr lang="de-DE" b="1" dirty="0"/>
+          </a:p>
+          <a:p>
+            <a:endParaRPr lang="de-DE" b="1" dirty="0"/>
+          </a:p>
+        </p:txBody>
+      </p:sp>
+    </p:spTree>
+    <p:extLst>
+      <p:ext uri="{BB962C8B-B14F-4D97-AF65-F5344CB8AC3E}">
+        <p14:creationId xmlns:p14="http://schemas.microsoft.com/office/powerpoint/2010/main" val="609062730"/>
       </p:ext>
     </p:extLst>
   </p:cSld>
